--- a/projekt/projektni_rad_Marko_Varga.pptx
+++ b/projekt/projektni_rad_Marko_Varga.pptx
@@ -7,10 +7,10 @@
     <p:sldMasterId id="2147483724" r:id="rId6"/>
   </p:sldMasterIdLst>
   <p:notesMasterIdLst>
-    <p:notesMasterId r:id="rId14"/>
+    <p:notesMasterId r:id="rId15"/>
   </p:notesMasterIdLst>
   <p:handoutMasterIdLst>
-    <p:handoutMasterId r:id="rId15"/>
+    <p:handoutMasterId r:id="rId16"/>
   </p:handoutMasterIdLst>
   <p:sldIdLst>
     <p:sldId id="7150" r:id="rId7"/>
@@ -20,6 +20,7 @@
     <p:sldId id="7153" r:id="rId11"/>
     <p:sldId id="7154" r:id="rId12"/>
     <p:sldId id="7155" r:id="rId13"/>
+    <p:sldId id="7156" r:id="rId14"/>
   </p:sldIdLst>
   <p:sldSz cx="12192000" cy="6858000"/>
   <p:notesSz cx="9928225" cy="6797675"/>
@@ -234,7 +235,7 @@
           <a:p>
             <a:fld id="{B41FD482-B69E-4DD5-B941-11BCE126FA1D}" type="datetimeFigureOut">
               <a:rPr lang="hr-HR" smtClean="0"/>
-              <a:t>1.6.2023.</a:t>
+              <a:t>5.6.2023.</a:t>
             </a:fld>
             <a:endParaRPr lang="hr-HR"/>
           </a:p>
@@ -399,7 +400,7 @@
           <a:p>
             <a:fld id="{602A56C0-2A61-4948-B38C-965D33F4E329}" type="datetimeFigureOut">
               <a:rPr lang="hr-HR" smtClean="0"/>
-              <a:t>1.6.2023.</a:t>
+              <a:t>5.6.2023.</a:t>
             </a:fld>
             <a:endParaRPr lang="hr-HR"/>
           </a:p>
@@ -800,7 +801,7 @@
           <a:p>
             <a:fld id="{918CC527-9B1A-4421-820F-4C7F93672631}" type="datetime1">
               <a:rPr lang="hr-HR" smtClean="0"/>
-              <a:t>1.6.2023.</a:t>
+              <a:t>5.6.2023.</a:t>
             </a:fld>
             <a:endParaRPr lang="hr-HR"/>
           </a:p>
@@ -953,7 +954,7 @@
           <a:p>
             <a:fld id="{7A9BB70B-B814-4A7F-9281-E754DDC73F92}" type="datetime1">
               <a:rPr lang="hr-HR" smtClean="0"/>
-              <a:t>1.6.2023.</a:t>
+              <a:t>5.6.2023.</a:t>
             </a:fld>
             <a:endParaRPr lang="hr-HR"/>
           </a:p>
@@ -1235,7 +1236,7 @@
           <a:p>
             <a:fld id="{7B8770AD-6CCE-40AF-81A0-F4647088DACC}" type="datetime1">
               <a:rPr lang="hr-HR" smtClean="0"/>
-              <a:t>1.6.2023.</a:t>
+              <a:t>5.6.2023.</a:t>
             </a:fld>
             <a:endParaRPr lang="hr-HR"/>
           </a:p>
@@ -1499,7 +1500,7 @@
           <a:p>
             <a:fld id="{827CB759-CD69-4795-A56D-DA211CEF0CA9}" type="datetime1">
               <a:rPr lang="hr-HR" smtClean="0"/>
-              <a:t>1.6.2023.</a:t>
+              <a:t>5.6.2023.</a:t>
             </a:fld>
             <a:endParaRPr lang="hr-HR"/>
           </a:p>
@@ -2023,7 +2024,7 @@
           <a:p>
             <a:fld id="{9E893544-F369-4EA2-9802-1BA865814296}" type="datetime1">
               <a:rPr lang="hr-HR" smtClean="0"/>
-              <a:t>1.6.2023.</a:t>
+              <a:t>5.6.2023.</a:t>
             </a:fld>
             <a:endParaRPr lang="hr-HR"/>
           </a:p>
@@ -2252,7 +2253,7 @@
           <a:p>
             <a:fld id="{C76A3D7D-92CA-452C-B9D0-1DF31E7709A0}" type="datetime1">
               <a:rPr lang="hr-HR" smtClean="0"/>
-              <a:t>1.6.2023.</a:t>
+              <a:t>5.6.2023.</a:t>
             </a:fld>
             <a:endParaRPr lang="hr-HR"/>
           </a:p>
@@ -2572,7 +2573,7 @@
           <a:p>
             <a:fld id="{590B184A-8A12-46DC-858F-40BB764B6877}" type="datetime1">
               <a:rPr lang="hr-HR" smtClean="0"/>
-              <a:t>1.6.2023.</a:t>
+              <a:t>5.6.2023.</a:t>
             </a:fld>
             <a:endParaRPr lang="hr-HR"/>
           </a:p>
@@ -2866,7 +2867,7 @@
           <a:p>
             <a:fld id="{7267A5E9-C184-4225-B8DD-D288AF17D96D}" type="datetime1">
               <a:rPr lang="hr-HR" smtClean="0"/>
-              <a:t>1.6.2023.</a:t>
+              <a:t>5.6.2023.</a:t>
             </a:fld>
             <a:endParaRPr lang="hr-HR"/>
           </a:p>
@@ -3120,7 +3121,7 @@
           <a:p>
             <a:fld id="{86287E2A-7126-4C10-96F2-C7E41986C188}" type="datetime1">
               <a:rPr lang="hr-HR" smtClean="0"/>
-              <a:t>1.6.2023.</a:t>
+              <a:t>5.6.2023.</a:t>
             </a:fld>
             <a:endParaRPr lang="hr-HR"/>
           </a:p>
@@ -3407,7 +3408,7 @@
           <a:p>
             <a:fld id="{918CC527-9B1A-4421-820F-4C7F93672631}" type="datetime1">
               <a:rPr lang="hr-HR" smtClean="0"/>
-              <a:t>1.6.2023.</a:t>
+              <a:t>5.6.2023.</a:t>
             </a:fld>
             <a:endParaRPr lang="hr-HR"/>
           </a:p>
@@ -3637,7 +3638,7 @@
           <a:p>
             <a:fld id="{D28A645D-8DC1-4103-ACCF-1D0DCEA4CEF0}" type="datetime1">
               <a:rPr lang="hr-HR" smtClean="0"/>
-              <a:t>1.6.2023.</a:t>
+              <a:t>5.6.2023.</a:t>
             </a:fld>
             <a:endParaRPr lang="hr-HR"/>
           </a:p>
@@ -3867,7 +3868,7 @@
           <a:p>
             <a:fld id="{D28A645D-8DC1-4103-ACCF-1D0DCEA4CEF0}" type="datetime1">
               <a:rPr lang="hr-HR" smtClean="0"/>
-              <a:t>1.6.2023.</a:t>
+              <a:t>5.6.2023.</a:t>
             </a:fld>
             <a:endParaRPr lang="hr-HR"/>
           </a:p>
@@ -4097,7 +4098,7 @@
           <a:p>
             <a:fld id="{2C6A0B49-8851-4372-9C14-A77FB03183F4}" type="datetime1">
               <a:rPr lang="hr-HR" smtClean="0"/>
-              <a:t>1.6.2023.</a:t>
+              <a:t>5.6.2023.</a:t>
             </a:fld>
             <a:endParaRPr lang="hr-HR"/>
           </a:p>
@@ -4357,7 +4358,7 @@
           <a:p>
             <a:fld id="{209CA4D2-D8CB-45F0-AF23-5CF4F892E90D}" type="datetime1">
               <a:rPr lang="hr-HR" smtClean="0"/>
-              <a:t>1.6.2023.</a:t>
+              <a:t>5.6.2023.</a:t>
             </a:fld>
             <a:endParaRPr lang="hr-HR"/>
           </a:p>
@@ -4593,7 +4594,7 @@
           <a:p>
             <a:fld id="{D3A4DA58-1A42-43E2-BAA5-902A6FA09D64}" type="datetime1">
               <a:rPr lang="hr-HR" smtClean="0"/>
-              <a:t>1.6.2023.</a:t>
+              <a:t>5.6.2023.</a:t>
             </a:fld>
             <a:endParaRPr lang="hr-HR"/>
           </a:p>
@@ -4884,7 +4885,7 @@
           <a:p>
             <a:fld id="{81E6BD04-CE4A-4821-8B2D-748E94DAB577}" type="datetime1">
               <a:rPr lang="hr-HR" smtClean="0"/>
-              <a:t>1.6.2023.</a:t>
+              <a:t>5.6.2023.</a:t>
             </a:fld>
             <a:endParaRPr lang="hr-HR"/>
           </a:p>
@@ -5145,7 +5146,7 @@
           <a:p>
             <a:fld id="{EA6504F7-34A5-4CD4-86CE-4F2BAB4575DB}" type="datetime1">
               <a:rPr lang="hr-HR" smtClean="0"/>
-              <a:t>1.6.2023.</a:t>
+              <a:t>5.6.2023.</a:t>
             </a:fld>
             <a:endParaRPr lang="hr-HR"/>
           </a:p>
@@ -5315,7 +5316,7 @@
           <a:p>
             <a:fld id="{44D5B6B3-742C-49F8-A78B-F65A88979D8F}" type="datetime1">
               <a:rPr lang="hr-HR" smtClean="0"/>
-              <a:t>1.6.2023.</a:t>
+              <a:t>5.6.2023.</a:t>
             </a:fld>
             <a:endParaRPr lang="hr-HR"/>
           </a:p>
@@ -5609,7 +5610,7 @@
           <a:p>
             <a:fld id="{9F97E708-C5D4-4069-A98E-51799BE2691A}" type="datetime1">
               <a:rPr lang="hr-HR" smtClean="0"/>
-              <a:t>1.6.2023.</a:t>
+              <a:t>5.6.2023.</a:t>
             </a:fld>
             <a:endParaRPr lang="hr-HR"/>
           </a:p>
@@ -5945,7 +5946,7 @@
           <a:p>
             <a:fld id="{7A9BB70B-B814-4A7F-9281-E754DDC73F92}" type="datetime1">
               <a:rPr lang="hr-HR" smtClean="0"/>
-              <a:t>1.6.2023.</a:t>
+              <a:t>5.6.2023.</a:t>
             </a:fld>
             <a:endParaRPr lang="hr-HR"/>
           </a:p>
@@ -6253,7 +6254,7 @@
           <a:p>
             <a:fld id="{7B8770AD-6CCE-40AF-81A0-F4647088DACC}" type="datetime1">
               <a:rPr lang="hr-HR" smtClean="0"/>
-              <a:t>1.6.2023.</a:t>
+              <a:t>5.6.2023.</a:t>
             </a:fld>
             <a:endParaRPr lang="hr-HR"/>
           </a:p>
@@ -6523,7 +6524,7 @@
           <a:p>
             <a:fld id="{827CB759-CD69-4795-A56D-DA211CEF0CA9}" type="datetime1">
               <a:rPr lang="hr-HR" smtClean="0"/>
-              <a:t>1.6.2023.</a:t>
+              <a:t>5.6.2023.</a:t>
             </a:fld>
             <a:endParaRPr lang="hr-HR"/>
           </a:p>
@@ -6966,7 +6967,7 @@
           <a:p>
             <a:fld id="{2C6A0B49-8851-4372-9C14-A77FB03183F4}" type="datetime1">
               <a:rPr lang="hr-HR" smtClean="0"/>
-              <a:t>1.6.2023.</a:t>
+              <a:t>5.6.2023.</a:t>
             </a:fld>
             <a:endParaRPr lang="hr-HR"/>
           </a:p>
@@ -7354,7 +7355,7 @@
           <a:p>
             <a:fld id="{9E893544-F369-4EA2-9802-1BA865814296}" type="datetime1">
               <a:rPr lang="hr-HR" smtClean="0"/>
-              <a:t>1.6.2023.</a:t>
+              <a:t>5.6.2023.</a:t>
             </a:fld>
             <a:endParaRPr lang="hr-HR"/>
           </a:p>
@@ -7618,7 +7619,7 @@
           <a:p>
             <a:fld id="{C76A3D7D-92CA-452C-B9D0-1DF31E7709A0}" type="datetime1">
               <a:rPr lang="hr-HR" smtClean="0"/>
-              <a:t>1.6.2023.</a:t>
+              <a:t>5.6.2023.</a:t>
             </a:fld>
             <a:endParaRPr lang="hr-HR"/>
           </a:p>
@@ -7968,7 +7969,7 @@
           <a:p>
             <a:fld id="{590B184A-8A12-46DC-858F-40BB764B6877}" type="datetime1">
               <a:rPr lang="hr-HR" smtClean="0"/>
-              <a:t>1.6.2023.</a:t>
+              <a:t>5.6.2023.</a:t>
             </a:fld>
             <a:endParaRPr lang="hr-HR"/>
           </a:p>
@@ -8272,7 +8273,7 @@
           <a:p>
             <a:fld id="{7267A5E9-C184-4225-B8DD-D288AF17D96D}" type="datetime1">
               <a:rPr lang="hr-HR" smtClean="0"/>
-              <a:t>1.6.2023.</a:t>
+              <a:t>5.6.2023.</a:t>
             </a:fld>
             <a:endParaRPr lang="hr-HR"/>
           </a:p>
@@ -8532,7 +8533,7 @@
           <a:p>
             <a:fld id="{86287E2A-7126-4C10-96F2-C7E41986C188}" type="datetime1">
               <a:rPr lang="hr-HR" smtClean="0"/>
-              <a:t>1.6.2023.</a:t>
+              <a:t>5.6.2023.</a:t>
             </a:fld>
             <a:endParaRPr lang="hr-HR"/>
           </a:p>
@@ -8824,7 +8825,7 @@
             <a:fld id="{918CC527-9B1A-4421-820F-4C7F93672631}" type="datetime1">
               <a:rPr lang="hr-HR" smtClean="0"/>
               <a:pPr/>
-              <a:t>1.6.2023.</a:t>
+              <a:t>5.6.2023.</a:t>
             </a:fld>
             <a:endParaRPr lang="hr-HR"/>
           </a:p>
@@ -9056,7 +9057,7 @@
             <a:fld id="{D28A645D-8DC1-4103-ACCF-1D0DCEA4CEF0}" type="datetime1">
               <a:rPr lang="hr-HR" smtClean="0"/>
               <a:pPr/>
-              <a:t>1.6.2023.</a:t>
+              <a:t>5.6.2023.</a:t>
             </a:fld>
             <a:endParaRPr lang="hr-HR"/>
           </a:p>
@@ -9288,7 +9289,7 @@
             <a:fld id="{2C6A0B49-8851-4372-9C14-A77FB03183F4}" type="datetime1">
               <a:rPr lang="hr-HR" smtClean="0"/>
               <a:pPr/>
-              <a:t>1.6.2023.</a:t>
+              <a:t>5.6.2023.</a:t>
             </a:fld>
             <a:endParaRPr lang="hr-HR"/>
           </a:p>
@@ -9550,7 +9551,7 @@
             <a:fld id="{209CA4D2-D8CB-45F0-AF23-5CF4F892E90D}" type="datetime1">
               <a:rPr lang="hr-HR" smtClean="0"/>
               <a:pPr/>
-              <a:t>1.6.2023.</a:t>
+              <a:t>5.6.2023.</a:t>
             </a:fld>
             <a:endParaRPr lang="hr-HR"/>
           </a:p>
@@ -9788,7 +9789,7 @@
             <a:fld id="{D3A4DA58-1A42-43E2-BAA5-902A6FA09D64}" type="datetime1">
               <a:rPr lang="hr-HR" smtClean="0"/>
               <a:pPr/>
-              <a:t>1.6.2023.</a:t>
+              <a:t>5.6.2023.</a:t>
             </a:fld>
             <a:endParaRPr lang="hr-HR"/>
           </a:p>
@@ -10131,7 +10132,7 @@
           <a:p>
             <a:fld id="{209CA4D2-D8CB-45F0-AF23-5CF4F892E90D}" type="datetime1">
               <a:rPr lang="hr-HR" smtClean="0"/>
-              <a:t>1.6.2023.</a:t>
+              <a:t>5.6.2023.</a:t>
             </a:fld>
             <a:endParaRPr lang="hr-HR"/>
           </a:p>
@@ -10335,7 +10336,7 @@
             <a:fld id="{81E6BD04-CE4A-4821-8B2D-748E94DAB577}" type="datetime1">
               <a:rPr lang="hr-HR" smtClean="0"/>
               <a:pPr/>
-              <a:t>1.6.2023.</a:t>
+              <a:t>5.6.2023.</a:t>
             </a:fld>
             <a:endParaRPr lang="hr-HR"/>
           </a:p>
@@ -10598,7 +10599,7 @@
             <a:fld id="{EA6504F7-34A5-4CD4-86CE-4F2BAB4575DB}" type="datetime1">
               <a:rPr lang="hr-HR" smtClean="0"/>
               <a:pPr/>
-              <a:t>1.6.2023.</a:t>
+              <a:t>5.6.2023.</a:t>
             </a:fld>
             <a:endParaRPr lang="hr-HR"/>
           </a:p>
@@ -10796,7 +10797,7 @@
             <a:fld id="{44D5B6B3-742C-49F8-A78B-F65A88979D8F}" type="datetime1">
               <a:rPr lang="hr-HR" smtClean="0"/>
               <a:pPr/>
-              <a:t>1.6.2023.</a:t>
+              <a:t>5.6.2023.</a:t>
             </a:fld>
             <a:endParaRPr lang="hr-HR"/>
           </a:p>
@@ -11118,7 +11119,7 @@
             <a:fld id="{9F97E708-C5D4-4069-A98E-51799BE2691A}" type="datetime1">
               <a:rPr lang="hr-HR" smtClean="0"/>
               <a:pPr/>
-              <a:t>1.6.2023.</a:t>
+              <a:t>5.6.2023.</a:t>
             </a:fld>
             <a:endParaRPr lang="hr-HR"/>
           </a:p>
@@ -11456,7 +11457,7 @@
             <a:fld id="{7A9BB70B-B814-4A7F-9281-E754DDC73F92}" type="datetime1">
               <a:rPr lang="hr-HR" smtClean="0"/>
               <a:pPr/>
-              <a:t>1.6.2023.</a:t>
+              <a:t>5.6.2023.</a:t>
             </a:fld>
             <a:endParaRPr lang="hr-HR"/>
           </a:p>
@@ -11792,7 +11793,7 @@
             <a:fld id="{7B8770AD-6CCE-40AF-81A0-F4647088DACC}" type="datetime1">
               <a:rPr lang="hr-HR" smtClean="0"/>
               <a:pPr/>
-              <a:t>1.6.2023.</a:t>
+              <a:t>5.6.2023.</a:t>
             </a:fld>
             <a:endParaRPr lang="hr-HR"/>
           </a:p>
@@ -12064,7 +12065,7 @@
             <a:fld id="{827CB759-CD69-4795-A56D-DA211CEF0CA9}" type="datetime1">
               <a:rPr lang="hr-HR" smtClean="0"/>
               <a:pPr/>
-              <a:t>1.6.2023.</a:t>
+              <a:t>5.6.2023.</a:t>
             </a:fld>
             <a:endParaRPr lang="hr-HR"/>
           </a:p>
@@ -12673,7 +12674,7 @@
             <a:fld id="{9E893544-F369-4EA2-9802-1BA865814296}" type="datetime1">
               <a:rPr lang="hr-HR" smtClean="0"/>
               <a:pPr/>
-              <a:t>1.6.2023.</a:t>
+              <a:t>5.6.2023.</a:t>
             </a:fld>
             <a:endParaRPr lang="hr-HR"/>
           </a:p>
@@ -12939,7 +12940,7 @@
             <a:fld id="{C76A3D7D-92CA-452C-B9D0-1DF31E7709A0}" type="datetime1">
               <a:rPr lang="hr-HR" smtClean="0"/>
               <a:pPr/>
-              <a:t>1.6.2023.</a:t>
+              <a:t>5.6.2023.</a:t>
             </a:fld>
             <a:endParaRPr lang="hr-HR"/>
           </a:p>
@@ -13317,7 +13318,7 @@
             <a:fld id="{590B184A-8A12-46DC-858F-40BB764B6877}" type="datetime1">
               <a:rPr lang="hr-HR" smtClean="0"/>
               <a:pPr/>
-              <a:t>1.6.2023.</a:t>
+              <a:t>5.6.2023.</a:t>
             </a:fld>
             <a:endParaRPr lang="hr-HR"/>
           </a:p>
@@ -13567,7 +13568,7 @@
           <a:p>
             <a:fld id="{D3A4DA58-1A42-43E2-BAA5-902A6FA09D64}" type="datetime1">
               <a:rPr lang="hr-HR" smtClean="0"/>
-              <a:t>1.6.2023.</a:t>
+              <a:t>5.6.2023.</a:t>
             </a:fld>
             <a:endParaRPr lang="hr-HR"/>
           </a:p>
@@ -13943,7 +13944,7 @@
             <a:fld id="{7267A5E9-C184-4225-B8DD-D288AF17D96D}" type="datetime1">
               <a:rPr lang="hr-HR" smtClean="0"/>
               <a:pPr/>
-              <a:t>1.6.2023.</a:t>
+              <a:t>5.6.2023.</a:t>
             </a:fld>
             <a:endParaRPr lang="hr-HR"/>
           </a:p>
@@ -14316,7 +14317,7 @@
           <a:p>
             <a:fld id="{EA6504F7-34A5-4CD4-86CE-4F2BAB4575DB}" type="datetime1">
               <a:rPr lang="hr-HR" smtClean="0"/>
-              <a:t>1.6.2023.</a:t>
+              <a:t>5.6.2023.</a:t>
             </a:fld>
             <a:endParaRPr lang="hr-HR"/>
           </a:p>
@@ -14480,7 +14481,7 @@
           <a:p>
             <a:fld id="{44D5B6B3-742C-49F8-A78B-F65A88979D8F}" type="datetime1">
               <a:rPr lang="hr-HR" smtClean="0"/>
-              <a:t>1.6.2023.</a:t>
+              <a:t>5.6.2023.</a:t>
             </a:fld>
             <a:endParaRPr lang="hr-HR"/>
           </a:p>
@@ -14748,7 +14749,7 @@
           <a:p>
             <a:fld id="{9F97E708-C5D4-4069-A98E-51799BE2691A}" type="datetime1">
               <a:rPr lang="hr-HR" smtClean="0"/>
-              <a:t>1.6.2023.</a:t>
+              <a:t>5.6.2023.</a:t>
             </a:fld>
             <a:endParaRPr lang="hr-HR"/>
           </a:p>
@@ -15148,7 +15149,7 @@
           <a:p>
             <a:fld id="{BA20D51C-683D-426D-A5E0-C8962511EF8A}" type="datetime1">
               <a:rPr lang="hr-HR" smtClean="0"/>
-              <a:t>1.6.2023.</a:t>
+              <a:t>5.6.2023.</a:t>
             </a:fld>
             <a:endParaRPr lang="hr-HR"/>
           </a:p>
@@ -15831,7 +15832,7 @@
             <a:fld id="{BA20D51C-683D-426D-A5E0-C8962511EF8A}" type="datetime1">
               <a:rPr lang="hr-HR" smtClean="0"/>
               <a:pPr/>
-              <a:t>1.6.2023.</a:t>
+              <a:t>5.6.2023.</a:t>
             </a:fld>
             <a:endParaRPr lang="hr-HR"/>
           </a:p>
@@ -16505,7 +16506,7 @@
             <a:fld id="{BA20D51C-683D-426D-A5E0-C8962511EF8A}" type="datetime1">
               <a:rPr lang="hr-HR" smtClean="0"/>
               <a:pPr/>
-              <a:t>1.6.2023.</a:t>
+              <a:t>5.6.2023.</a:t>
             </a:fld>
             <a:endParaRPr lang="hr-HR"/>
           </a:p>
@@ -17446,11 +17447,11 @@
             </a:r>
             <a:r>
               <a:rPr lang="en-US" i="1" dirty="0"/>
-              <a:t> za DDOS </a:t>
+              <a:t> u DDOS </a:t>
             </a:r>
             <a:r>
               <a:rPr lang="en-US" i="1" dirty="0" err="1"/>
-              <a:t>napad</a:t>
+              <a:t>napadu</a:t>
             </a:r>
             <a:endParaRPr lang="en-US" i="1" dirty="0"/>
           </a:p>
@@ -17757,13 +17758,16 @@
             </a:pPr>
             <a:r>
               <a:rPr lang="hr-HR" sz="2400" dirty="0"/>
-              <a:t>Implementacija u </a:t>
-            </a:r>
-            <a:r>
-              <a:rPr lang="hr-HR" sz="2400" dirty="0" err="1"/>
-              <a:t>Julii</a:t>
-            </a:r>
-            <a:endParaRPr lang="hr-HR" sz="2400" dirty="0"/>
+              <a:t>Implementacija u Juli</a:t>
+            </a:r>
+            <a:r>
+              <a:rPr lang="en-US" sz="2400" dirty="0"/>
+              <a:t>j</a:t>
+            </a:r>
+            <a:r>
+              <a:rPr lang="hr-HR" sz="2400" dirty="0"/>
+              <a:t>i</a:t>
+            </a:r>
           </a:p>
           <a:p>
             <a:pPr marL="457200" indent="-457200">
@@ -18024,7 +18028,7 @@
             </a:r>
             <a:r>
               <a:rPr lang="en-US" sz="2400" dirty="0" err="1"/>
-              <a:t>ponašanje</a:t>
+              <a:t>promjenu</a:t>
             </a:r>
             <a:r>
               <a:rPr lang="en-US" sz="2400" dirty="0"/>
@@ -18032,15 +18036,7 @@
             </a:r>
             <a:r>
               <a:rPr lang="en-US" sz="2400" dirty="0" err="1"/>
-              <a:t>populacije</a:t>
-            </a:r>
-            <a:r>
-              <a:rPr lang="en-US" sz="2400" dirty="0"/>
-              <a:t> botnet </a:t>
-            </a:r>
-            <a:r>
-              <a:rPr lang="en-US" sz="2400" dirty="0" err="1"/>
-              <a:t>mreže</a:t>
+              <a:t>broja</a:t>
             </a:r>
             <a:r>
               <a:rPr lang="en-US" sz="2400" dirty="0"/>
@@ -18048,7 +18044,7 @@
             </a:r>
             <a:r>
               <a:rPr lang="en-US" sz="2400" dirty="0" err="1"/>
-              <a:t>prilikom</a:t>
+              <a:t>zaraženih</a:t>
             </a:r>
             <a:r>
               <a:rPr lang="en-US" sz="2400" dirty="0"/>
@@ -18056,15 +18052,15 @@
             </a:r>
             <a:r>
               <a:rPr lang="en-US" sz="2400" dirty="0" err="1"/>
-              <a:t>širenja</a:t>
+              <a:t>čvorova</a:t>
             </a:r>
             <a:r>
               <a:rPr lang="en-US" sz="2400" dirty="0"/>
-              <a:t> </a:t>
+              <a:t> DDOS </a:t>
             </a:r>
             <a:r>
               <a:rPr lang="en-US" sz="2400" dirty="0" err="1"/>
-              <a:t>crva</a:t>
+              <a:t>napadom</a:t>
             </a:r>
             <a:endParaRPr lang="en-US" sz="2400" dirty="0"/>
           </a:p>
@@ -18184,7 +18180,7 @@
         </p:spPr>
         <p:txBody>
           <a:bodyPr>
-            <a:normAutofit fontScale="92500" lnSpcReduction="20000"/>
+            <a:normAutofit lnSpcReduction="10000"/>
           </a:bodyPr>
           <a:lstStyle/>
           <a:p>
@@ -18218,2393 +18214,232 @@
           <a:p>
             <a:r>
               <a:rPr lang="en-US" sz="2400" dirty="0"/>
-              <a:t>PRETPOSTAVKE MODELA:</a:t>
-            </a:r>
-          </a:p>
-          <a:p>
-            <a:pPr algn="l"/>
-            <a:r>
-              <a:rPr lang="en-US" sz="2000" b="0" i="0" dirty="0">
-                <a:solidFill>
-                  <a:schemeClr val="bg1"/>
-                </a:solidFill>
-                <a:effectLst/>
-                <a:latin typeface="Söhne"/>
-              </a:rPr>
-              <a:t>(H1) </a:t>
-            </a:r>
-            <a:r>
-              <a:rPr lang="en-US" sz="2000" b="0" i="0" dirty="0" err="1">
-                <a:solidFill>
-                  <a:schemeClr val="bg1"/>
-                </a:solidFill>
-                <a:effectLst/>
-                <a:latin typeface="Söhne"/>
-              </a:rPr>
-              <a:t>Svaki</a:t>
-            </a:r>
-            <a:r>
-              <a:rPr lang="en-US" sz="2000" b="0" i="0" dirty="0">
-                <a:solidFill>
-                  <a:schemeClr val="bg1"/>
-                </a:solidFill>
-                <a:effectLst/>
-                <a:latin typeface="Söhne"/>
-              </a:rPr>
-              <a:t> </a:t>
-            </a:r>
-            <a:r>
-              <a:rPr lang="en-US" sz="2000" b="0" i="0" dirty="0" err="1">
-                <a:solidFill>
-                  <a:schemeClr val="bg1"/>
-                </a:solidFill>
-                <a:effectLst/>
-                <a:latin typeface="Söhne"/>
-              </a:rPr>
-              <a:t>napadački</a:t>
-            </a:r>
-            <a:r>
-              <a:rPr lang="en-US" sz="2000" b="0" i="0" dirty="0">
-                <a:solidFill>
-                  <a:schemeClr val="bg1"/>
-                </a:solidFill>
-                <a:effectLst/>
-                <a:latin typeface="Söhne"/>
-              </a:rPr>
-              <a:t> </a:t>
-            </a:r>
-            <a:r>
-              <a:rPr lang="en-US" sz="2000" b="0" i="0" dirty="0" err="1">
-                <a:solidFill>
-                  <a:schemeClr val="bg1"/>
-                </a:solidFill>
-                <a:effectLst/>
-                <a:latin typeface="Söhne"/>
-              </a:rPr>
-              <a:t>čvor</a:t>
-            </a:r>
-            <a:r>
-              <a:rPr lang="en-US" sz="2000" b="0" i="0" dirty="0">
-                <a:solidFill>
-                  <a:schemeClr val="bg1"/>
-                </a:solidFill>
-                <a:effectLst/>
-                <a:latin typeface="Söhne"/>
-              </a:rPr>
-              <a:t> (</a:t>
-            </a:r>
-            <a:r>
-              <a:rPr lang="en-US" sz="2000" b="0" i="0" dirty="0" err="1">
-                <a:solidFill>
-                  <a:schemeClr val="bg1"/>
-                </a:solidFill>
-                <a:effectLst/>
-                <a:latin typeface="Söhne"/>
-              </a:rPr>
-              <a:t>osjetljivi</a:t>
-            </a:r>
-            <a:r>
-              <a:rPr lang="en-US" sz="2000" b="0" i="0" dirty="0">
-                <a:solidFill>
-                  <a:schemeClr val="bg1"/>
-                </a:solidFill>
-                <a:effectLst/>
-                <a:latin typeface="Söhne"/>
-              </a:rPr>
-              <a:t> </a:t>
-            </a:r>
-            <a:r>
-              <a:rPr lang="en-US" sz="2000" b="0" i="0" dirty="0" err="1">
-                <a:solidFill>
-                  <a:schemeClr val="bg1"/>
-                </a:solidFill>
-                <a:effectLst/>
-                <a:latin typeface="Söhne"/>
-              </a:rPr>
-              <a:t>ili</a:t>
-            </a:r>
-            <a:r>
-              <a:rPr lang="en-US" sz="2000" b="0" i="0" dirty="0">
-                <a:solidFill>
-                  <a:schemeClr val="bg1"/>
-                </a:solidFill>
-                <a:effectLst/>
-                <a:latin typeface="Söhne"/>
-              </a:rPr>
-              <a:t> </a:t>
-            </a:r>
-            <a:r>
-              <a:rPr lang="en-US" sz="2000" b="0" i="0" dirty="0" err="1">
-                <a:solidFill>
-                  <a:schemeClr val="bg1"/>
-                </a:solidFill>
-                <a:effectLst/>
-                <a:latin typeface="Söhne"/>
-              </a:rPr>
-              <a:t>infektivni</a:t>
-            </a:r>
-            <a:r>
-              <a:rPr lang="en-US" sz="2000" b="0" i="0" dirty="0">
-                <a:solidFill>
-                  <a:schemeClr val="bg1"/>
-                </a:solidFill>
-                <a:effectLst/>
-                <a:latin typeface="Söhne"/>
-              </a:rPr>
-              <a:t>) je </a:t>
-            </a:r>
-            <a:r>
-              <a:rPr lang="en-US" sz="2000" b="0" i="0" dirty="0" err="1">
-                <a:solidFill>
-                  <a:schemeClr val="bg1"/>
-                </a:solidFill>
-                <a:effectLst/>
-                <a:latin typeface="Söhne"/>
-              </a:rPr>
-              <a:t>odvojen</a:t>
-            </a:r>
-            <a:r>
-              <a:rPr lang="en-US" sz="2000" b="0" i="0" dirty="0">
-                <a:solidFill>
-                  <a:schemeClr val="bg1"/>
-                </a:solidFill>
-                <a:effectLst/>
-                <a:latin typeface="Söhne"/>
-              </a:rPr>
-              <a:t> od </a:t>
-            </a:r>
-            <a:r>
-              <a:rPr lang="en-US" sz="2000" b="0" i="0" dirty="0" err="1">
-                <a:solidFill>
-                  <a:schemeClr val="bg1"/>
-                </a:solidFill>
-                <a:effectLst/>
-                <a:latin typeface="Söhne"/>
-              </a:rPr>
-              <a:t>interneta</a:t>
-            </a:r>
-            <a:r>
-              <a:rPr lang="en-US" sz="2000" b="0" i="0" dirty="0">
-                <a:solidFill>
-                  <a:schemeClr val="bg1"/>
-                </a:solidFill>
-                <a:effectLst/>
-                <a:latin typeface="Söhne"/>
-              </a:rPr>
-              <a:t> </a:t>
-            </a:r>
-            <a:r>
-              <a:rPr lang="en-US" sz="2000" b="0" i="0" dirty="0" err="1">
-                <a:solidFill>
-                  <a:schemeClr val="bg1"/>
-                </a:solidFill>
-                <a:effectLst/>
-                <a:latin typeface="Söhne"/>
-              </a:rPr>
-              <a:t>zbog</a:t>
-            </a:r>
-            <a:r>
-              <a:rPr lang="en-US" sz="2000" b="0" i="0" dirty="0">
-                <a:solidFill>
-                  <a:schemeClr val="bg1"/>
-                </a:solidFill>
-                <a:effectLst/>
-                <a:latin typeface="Söhne"/>
-              </a:rPr>
-              <a:t> </a:t>
-            </a:r>
-            <a:r>
-              <a:rPr lang="en-US" sz="2000" b="0" i="0" dirty="0" err="1">
-                <a:solidFill>
-                  <a:schemeClr val="bg1"/>
-                </a:solidFill>
-                <a:effectLst/>
-                <a:latin typeface="Söhne"/>
-              </a:rPr>
-              <a:t>isključivanja</a:t>
-            </a:r>
-            <a:r>
-              <a:rPr lang="en-US" sz="2000" b="0" i="0" dirty="0">
-                <a:solidFill>
-                  <a:schemeClr val="bg1"/>
-                </a:solidFill>
-                <a:effectLst/>
-                <a:latin typeface="Söhne"/>
-              </a:rPr>
-              <a:t> </a:t>
-            </a:r>
-            <a:r>
-              <a:rPr lang="en-US" sz="2000" b="0" i="0" dirty="0" err="1">
-                <a:solidFill>
-                  <a:schemeClr val="bg1"/>
-                </a:solidFill>
-                <a:effectLst/>
-                <a:latin typeface="Söhne"/>
-              </a:rPr>
-              <a:t>brzinom</a:t>
-            </a:r>
-            <a:r>
-              <a:rPr lang="en-US" sz="2000" b="0" i="0" dirty="0">
-                <a:solidFill>
-                  <a:schemeClr val="bg1"/>
-                </a:solidFill>
-                <a:effectLst/>
-                <a:latin typeface="Söhne"/>
-              </a:rPr>
-              <a:t> </a:t>
-            </a:r>
-            <a:r>
-              <a:rPr lang="el-GR" sz="2000" b="0" i="0" dirty="0">
-                <a:solidFill>
-                  <a:schemeClr val="bg1"/>
-                </a:solidFill>
-                <a:effectLst/>
-                <a:latin typeface="Söhne"/>
-              </a:rPr>
-              <a:t>α &gt; 0 </a:t>
-            </a:r>
-            <a:r>
-              <a:rPr lang="en-US" sz="2000" b="0" i="0" dirty="0" err="1">
-                <a:solidFill>
-                  <a:schemeClr val="bg1"/>
-                </a:solidFill>
-                <a:effectLst/>
-                <a:latin typeface="Söhne"/>
-              </a:rPr>
-              <a:t>kako</a:t>
-            </a:r>
-            <a:r>
-              <a:rPr lang="en-US" sz="2000" b="0" i="0" dirty="0">
-                <a:solidFill>
-                  <a:schemeClr val="bg1"/>
-                </a:solidFill>
-                <a:effectLst/>
-                <a:latin typeface="Söhne"/>
-              </a:rPr>
-              <a:t> bi se </a:t>
-            </a:r>
-            <a:r>
-              <a:rPr lang="en-US" sz="2000" b="0" i="0" dirty="0" err="1">
-                <a:solidFill>
-                  <a:schemeClr val="bg1"/>
-                </a:solidFill>
-                <a:effectLst/>
-                <a:latin typeface="Söhne"/>
-              </a:rPr>
-              <a:t>pridružio</a:t>
-            </a:r>
-            <a:r>
-              <a:rPr lang="en-US" sz="2000" b="0" i="0" dirty="0">
-                <a:solidFill>
-                  <a:schemeClr val="bg1"/>
-                </a:solidFill>
-                <a:effectLst/>
-                <a:latin typeface="Söhne"/>
-              </a:rPr>
-              <a:t> </a:t>
-            </a:r>
-            <a:r>
-              <a:rPr lang="en-US" sz="2000" b="0" i="0" dirty="0" err="1">
-                <a:solidFill>
-                  <a:schemeClr val="bg1"/>
-                </a:solidFill>
-                <a:effectLst/>
-                <a:latin typeface="Söhne"/>
-              </a:rPr>
-              <a:t>vanjskim</a:t>
-            </a:r>
-            <a:r>
-              <a:rPr lang="en-US" sz="2000" b="0" i="0" dirty="0">
-                <a:solidFill>
-                  <a:schemeClr val="bg1"/>
-                </a:solidFill>
-                <a:effectLst/>
-                <a:latin typeface="Söhne"/>
-              </a:rPr>
-              <a:t> </a:t>
-            </a:r>
-            <a:r>
-              <a:rPr lang="en-US" sz="2000" b="0" i="0" dirty="0" err="1">
-                <a:solidFill>
-                  <a:schemeClr val="bg1"/>
-                </a:solidFill>
-                <a:effectLst/>
-                <a:latin typeface="Söhne"/>
-              </a:rPr>
-              <a:t>napadačkim</a:t>
-            </a:r>
-            <a:r>
-              <a:rPr lang="en-US" sz="2000" b="0" i="0" dirty="0">
-                <a:solidFill>
-                  <a:schemeClr val="bg1"/>
-                </a:solidFill>
-                <a:effectLst/>
-                <a:latin typeface="Söhne"/>
-              </a:rPr>
-              <a:t> </a:t>
-            </a:r>
-            <a:r>
-              <a:rPr lang="en-US" sz="2000" b="0" i="0" dirty="0" err="1">
-                <a:solidFill>
-                  <a:schemeClr val="bg1"/>
-                </a:solidFill>
-                <a:effectLst/>
-                <a:latin typeface="Söhne"/>
-              </a:rPr>
-              <a:t>čvorovima</a:t>
-            </a:r>
-            <a:r>
-              <a:rPr lang="en-US" sz="2000" b="0" i="0" dirty="0">
-                <a:solidFill>
-                  <a:schemeClr val="bg1"/>
-                </a:solidFill>
-                <a:effectLst/>
-                <a:latin typeface="Söhne"/>
-              </a:rPr>
-              <a:t>.</a:t>
-            </a:r>
-          </a:p>
-          <a:p>
-            <a:pPr algn="l"/>
-            <a:r>
-              <a:rPr lang="en-US" sz="2000" b="0" i="0" dirty="0">
-                <a:solidFill>
-                  <a:schemeClr val="bg1"/>
-                </a:solidFill>
-                <a:effectLst/>
-                <a:latin typeface="Söhne"/>
-              </a:rPr>
-              <a:t>(H2) </a:t>
-            </a:r>
-            <a:r>
-              <a:rPr lang="en-US" sz="2000" b="0" i="0" dirty="0" err="1">
-                <a:solidFill>
-                  <a:schemeClr val="bg1"/>
-                </a:solidFill>
-                <a:effectLst/>
-                <a:latin typeface="Söhne"/>
-              </a:rPr>
-              <a:t>Kako</a:t>
-            </a:r>
-            <a:r>
-              <a:rPr lang="en-US" sz="2000" b="0" i="0" dirty="0">
-                <a:solidFill>
-                  <a:schemeClr val="bg1"/>
-                </a:solidFill>
-                <a:effectLst/>
-                <a:latin typeface="Söhne"/>
-              </a:rPr>
-              <a:t> je </a:t>
-            </a:r>
-            <a:r>
-              <a:rPr lang="en-US" sz="2000" b="0" i="0" dirty="0" err="1">
-                <a:solidFill>
-                  <a:schemeClr val="bg1"/>
-                </a:solidFill>
-                <a:effectLst/>
-                <a:latin typeface="Söhne"/>
-              </a:rPr>
-              <a:t>utvrđeno</a:t>
-            </a:r>
-            <a:r>
-              <a:rPr lang="en-US" sz="2000" b="0" i="0" dirty="0">
-                <a:solidFill>
-                  <a:schemeClr val="bg1"/>
-                </a:solidFill>
-                <a:effectLst/>
-                <a:latin typeface="Söhne"/>
-              </a:rPr>
-              <a:t> u </a:t>
-            </a:r>
-            <a:r>
-              <a:rPr lang="en-US" sz="2000" b="0" i="0" dirty="0" err="1">
-                <a:solidFill>
-                  <a:schemeClr val="bg1"/>
-                </a:solidFill>
-                <a:effectLst/>
-                <a:latin typeface="Söhne"/>
-              </a:rPr>
-              <a:t>napadu</a:t>
-            </a:r>
-            <a:r>
-              <a:rPr lang="en-US" sz="2000" b="0" i="0" dirty="0">
-                <a:solidFill>
-                  <a:schemeClr val="bg1"/>
-                </a:solidFill>
-                <a:effectLst/>
-                <a:latin typeface="Söhne"/>
-              </a:rPr>
-              <a:t> Mirai da se </a:t>
-            </a:r>
-            <a:r>
-              <a:rPr lang="en-US" sz="2000" b="0" i="0" dirty="0" err="1">
-                <a:solidFill>
-                  <a:schemeClr val="bg1"/>
-                </a:solidFill>
-                <a:effectLst/>
-                <a:latin typeface="Söhne"/>
-              </a:rPr>
-              <a:t>zaraženi</a:t>
-            </a:r>
-            <a:r>
-              <a:rPr lang="en-US" sz="2000" b="0" i="0" dirty="0">
-                <a:solidFill>
-                  <a:schemeClr val="bg1"/>
-                </a:solidFill>
-                <a:effectLst/>
-                <a:latin typeface="Söhne"/>
-              </a:rPr>
-              <a:t> IoT </a:t>
-            </a:r>
-            <a:r>
-              <a:rPr lang="en-US" sz="2000" b="0" i="0" dirty="0" err="1">
-                <a:solidFill>
-                  <a:schemeClr val="bg1"/>
-                </a:solidFill>
-                <a:effectLst/>
-                <a:latin typeface="Söhne"/>
-              </a:rPr>
-              <a:t>uređaji</a:t>
-            </a:r>
-            <a:r>
-              <a:rPr lang="en-US" sz="2000" b="0" i="0" dirty="0">
-                <a:solidFill>
-                  <a:schemeClr val="bg1"/>
-                </a:solidFill>
-                <a:effectLst/>
-                <a:latin typeface="Söhne"/>
-              </a:rPr>
-              <a:t> </a:t>
-            </a:r>
-            <a:r>
-              <a:rPr lang="en-US" sz="2000" b="0" i="0" dirty="0" err="1">
-                <a:solidFill>
-                  <a:schemeClr val="bg1"/>
-                </a:solidFill>
-                <a:effectLst/>
-                <a:latin typeface="Söhne"/>
-              </a:rPr>
-              <a:t>mogu</a:t>
-            </a:r>
-            <a:r>
-              <a:rPr lang="en-US" sz="2000" b="0" i="0" dirty="0">
-                <a:solidFill>
-                  <a:schemeClr val="bg1"/>
-                </a:solidFill>
-                <a:effectLst/>
-                <a:latin typeface="Söhne"/>
-              </a:rPr>
-              <a:t> </a:t>
-            </a:r>
-            <a:r>
-              <a:rPr lang="en-US" sz="2000" b="0" i="0" dirty="0" err="1">
-                <a:solidFill>
-                  <a:schemeClr val="bg1"/>
-                </a:solidFill>
-                <a:effectLst/>
-                <a:latin typeface="Söhne"/>
-              </a:rPr>
-              <a:t>očistiti</a:t>
-            </a:r>
-            <a:r>
-              <a:rPr lang="en-US" sz="2000" b="0" i="0" dirty="0">
-                <a:solidFill>
-                  <a:schemeClr val="bg1"/>
-                </a:solidFill>
-                <a:effectLst/>
-                <a:latin typeface="Söhne"/>
-              </a:rPr>
-              <a:t> </a:t>
-            </a:r>
-            <a:r>
-              <a:rPr lang="en-US" sz="2000" b="0" i="0" dirty="0" err="1">
-                <a:solidFill>
-                  <a:schemeClr val="bg1"/>
-                </a:solidFill>
-                <a:effectLst/>
-                <a:latin typeface="Söhne"/>
-              </a:rPr>
-              <a:t>restartiranjem</a:t>
-            </a:r>
-            <a:r>
-              <a:rPr lang="en-US" sz="2000" b="0" i="0" dirty="0">
-                <a:solidFill>
-                  <a:schemeClr val="bg1"/>
-                </a:solidFill>
-                <a:effectLst/>
-                <a:latin typeface="Söhne"/>
-              </a:rPr>
-              <a:t> [17], </a:t>
-            </a:r>
-            <a:r>
-              <a:rPr lang="en-US" sz="2000" b="0" i="0" dirty="0" err="1">
-                <a:solidFill>
-                  <a:schemeClr val="bg1"/>
-                </a:solidFill>
-                <a:effectLst/>
-                <a:latin typeface="Söhne"/>
-              </a:rPr>
-              <a:t>pretpostavili</a:t>
-            </a:r>
-            <a:r>
-              <a:rPr lang="en-US" sz="2000" b="0" i="0" dirty="0">
-                <a:solidFill>
-                  <a:schemeClr val="bg1"/>
-                </a:solidFill>
-                <a:effectLst/>
-                <a:latin typeface="Söhne"/>
-              </a:rPr>
-              <a:t> </a:t>
-            </a:r>
-            <a:r>
-              <a:rPr lang="en-US" sz="2000" b="0" i="0" dirty="0" err="1">
-                <a:solidFill>
-                  <a:schemeClr val="bg1"/>
-                </a:solidFill>
-                <a:effectLst/>
-                <a:latin typeface="Söhne"/>
-              </a:rPr>
-              <a:t>smo</a:t>
-            </a:r>
-            <a:r>
-              <a:rPr lang="en-US" sz="2000" b="0" i="0" dirty="0">
-                <a:solidFill>
-                  <a:schemeClr val="bg1"/>
-                </a:solidFill>
-                <a:effectLst/>
-                <a:latin typeface="Söhne"/>
-              </a:rPr>
-              <a:t> da je </a:t>
-            </a:r>
-            <a:r>
-              <a:rPr lang="en-US" sz="2000" b="0" i="0" dirty="0" err="1">
-                <a:solidFill>
-                  <a:schemeClr val="bg1"/>
-                </a:solidFill>
-                <a:effectLst/>
-                <a:latin typeface="Söhne"/>
-              </a:rPr>
-              <a:t>svaki</a:t>
-            </a:r>
-            <a:r>
-              <a:rPr lang="en-US" sz="2000" b="0" i="0" dirty="0">
-                <a:solidFill>
-                  <a:schemeClr val="bg1"/>
-                </a:solidFill>
-                <a:effectLst/>
-                <a:latin typeface="Söhne"/>
-              </a:rPr>
-              <a:t> </a:t>
-            </a:r>
-            <a:r>
-              <a:rPr lang="en-US" sz="2000" b="0" i="0" dirty="0" err="1">
-                <a:solidFill>
-                  <a:schemeClr val="bg1"/>
-                </a:solidFill>
-                <a:effectLst/>
-                <a:latin typeface="Söhne"/>
-              </a:rPr>
-              <a:t>vanjski</a:t>
-            </a:r>
-            <a:r>
-              <a:rPr lang="en-US" sz="2000" b="0" i="0" dirty="0">
-                <a:solidFill>
-                  <a:schemeClr val="bg1"/>
-                </a:solidFill>
-                <a:effectLst/>
-                <a:latin typeface="Söhne"/>
-              </a:rPr>
-              <a:t> </a:t>
-            </a:r>
-            <a:r>
-              <a:rPr lang="en-US" sz="2000" b="0" i="0" dirty="0" err="1">
-                <a:solidFill>
-                  <a:schemeClr val="bg1"/>
-                </a:solidFill>
-                <a:effectLst/>
-                <a:latin typeface="Söhne"/>
-              </a:rPr>
-              <a:t>napadački</a:t>
-            </a:r>
-            <a:r>
-              <a:rPr lang="en-US" sz="2000" b="0" i="0" dirty="0">
-                <a:solidFill>
-                  <a:schemeClr val="bg1"/>
-                </a:solidFill>
-                <a:effectLst/>
-                <a:latin typeface="Söhne"/>
-              </a:rPr>
-              <a:t> </a:t>
-            </a:r>
-            <a:r>
-              <a:rPr lang="en-US" sz="2000" b="0" i="0" dirty="0" err="1">
-                <a:solidFill>
-                  <a:schemeClr val="bg1"/>
-                </a:solidFill>
-                <a:effectLst/>
-                <a:latin typeface="Söhne"/>
-              </a:rPr>
-              <a:t>čvor</a:t>
-            </a:r>
-            <a:r>
-              <a:rPr lang="en-US" sz="2000" b="0" i="0" dirty="0">
-                <a:solidFill>
-                  <a:schemeClr val="bg1"/>
-                </a:solidFill>
-                <a:effectLst/>
-                <a:latin typeface="Söhne"/>
-              </a:rPr>
-              <a:t> </a:t>
-            </a:r>
-            <a:r>
-              <a:rPr lang="en-US" sz="2000" b="0" i="0" dirty="0" err="1">
-                <a:solidFill>
-                  <a:schemeClr val="bg1"/>
-                </a:solidFill>
-                <a:effectLst/>
-                <a:latin typeface="Söhne"/>
-              </a:rPr>
-              <a:t>spojen</a:t>
-            </a:r>
-            <a:r>
-              <a:rPr lang="en-US" sz="2000" b="0" i="0" dirty="0">
-                <a:solidFill>
-                  <a:schemeClr val="bg1"/>
-                </a:solidFill>
-                <a:effectLst/>
-                <a:latin typeface="Söhne"/>
-              </a:rPr>
-              <a:t> </a:t>
-            </a:r>
-            <a:r>
-              <a:rPr lang="en-US" sz="2000" b="0" i="0" dirty="0" err="1">
-                <a:solidFill>
-                  <a:schemeClr val="bg1"/>
-                </a:solidFill>
-                <a:effectLst/>
-                <a:latin typeface="Söhne"/>
-              </a:rPr>
-              <a:t>na</a:t>
-            </a:r>
-            <a:r>
-              <a:rPr lang="en-US" sz="2000" b="0" i="0" dirty="0">
-                <a:solidFill>
-                  <a:schemeClr val="bg1"/>
-                </a:solidFill>
-                <a:effectLst/>
-                <a:latin typeface="Söhne"/>
-              </a:rPr>
-              <a:t> internet </a:t>
-            </a:r>
-            <a:r>
-              <a:rPr lang="en-US" sz="2000" b="0" i="0" dirty="0" err="1">
-                <a:solidFill>
-                  <a:schemeClr val="bg1"/>
-                </a:solidFill>
-                <a:effectLst/>
-                <a:latin typeface="Söhne"/>
-              </a:rPr>
-              <a:t>i</a:t>
-            </a:r>
-            <a:r>
-              <a:rPr lang="en-US" sz="2000" b="0" i="0" dirty="0">
-                <a:solidFill>
-                  <a:schemeClr val="bg1"/>
-                </a:solidFill>
-                <a:effectLst/>
-                <a:latin typeface="Söhne"/>
-              </a:rPr>
-              <a:t> </a:t>
-            </a:r>
-            <a:r>
-              <a:rPr lang="en-US" sz="2000" b="0" i="0" dirty="0" err="1">
-                <a:solidFill>
-                  <a:schemeClr val="bg1"/>
-                </a:solidFill>
-                <a:effectLst/>
-                <a:latin typeface="Söhne"/>
-              </a:rPr>
-              <a:t>samo</a:t>
-            </a:r>
-            <a:r>
-              <a:rPr lang="en-US" sz="2000" b="0" i="0" dirty="0">
-                <a:solidFill>
-                  <a:schemeClr val="bg1"/>
-                </a:solidFill>
-                <a:effectLst/>
-                <a:latin typeface="Söhne"/>
-              </a:rPr>
-              <a:t> </a:t>
-            </a:r>
-            <a:r>
-              <a:rPr lang="en-US" sz="2000" b="0" i="0" dirty="0" err="1">
-                <a:solidFill>
-                  <a:schemeClr val="bg1"/>
-                </a:solidFill>
-                <a:effectLst/>
-                <a:latin typeface="Söhne"/>
-              </a:rPr>
-              <a:t>postaje</a:t>
-            </a:r>
-            <a:r>
-              <a:rPr lang="en-US" sz="2000" b="0" i="0" dirty="0">
-                <a:solidFill>
-                  <a:schemeClr val="bg1"/>
-                </a:solidFill>
-                <a:effectLst/>
-                <a:latin typeface="Söhne"/>
-              </a:rPr>
-              <a:t> </a:t>
-            </a:r>
-            <a:r>
-              <a:rPr lang="en-US" sz="2000" b="0" i="0" dirty="0" err="1">
-                <a:solidFill>
-                  <a:schemeClr val="bg1"/>
-                </a:solidFill>
-                <a:effectLst/>
-                <a:latin typeface="Söhne"/>
-              </a:rPr>
-              <a:t>osjetljivi</a:t>
-            </a:r>
-            <a:r>
-              <a:rPr lang="en-US" sz="2000" b="0" i="0" dirty="0">
-                <a:solidFill>
-                  <a:schemeClr val="bg1"/>
-                </a:solidFill>
-                <a:effectLst/>
-                <a:latin typeface="Söhne"/>
-              </a:rPr>
-              <a:t> </a:t>
-            </a:r>
-            <a:r>
-              <a:rPr lang="en-US" sz="2000" b="0" i="0" dirty="0" err="1">
-                <a:solidFill>
-                  <a:schemeClr val="bg1"/>
-                </a:solidFill>
-                <a:effectLst/>
-                <a:latin typeface="Söhne"/>
-              </a:rPr>
-              <a:t>napadački</a:t>
-            </a:r>
-            <a:r>
-              <a:rPr lang="en-US" sz="2000" b="0" i="0" dirty="0">
-                <a:solidFill>
-                  <a:schemeClr val="bg1"/>
-                </a:solidFill>
-                <a:effectLst/>
-                <a:latin typeface="Söhne"/>
-              </a:rPr>
-              <a:t> </a:t>
-            </a:r>
-            <a:r>
-              <a:rPr lang="en-US" sz="2000" b="0" i="0" dirty="0" err="1">
-                <a:solidFill>
-                  <a:schemeClr val="bg1"/>
-                </a:solidFill>
-                <a:effectLst/>
-                <a:latin typeface="Söhne"/>
-              </a:rPr>
-              <a:t>čvor</a:t>
-            </a:r>
-            <a:r>
-              <a:rPr lang="en-US" sz="2000" b="0" i="0" dirty="0">
-                <a:solidFill>
-                  <a:schemeClr val="bg1"/>
-                </a:solidFill>
-                <a:effectLst/>
-                <a:latin typeface="Söhne"/>
-              </a:rPr>
-              <a:t> </a:t>
-            </a:r>
-            <a:r>
-              <a:rPr lang="en-US" sz="2000" b="0" i="0" dirty="0" err="1">
-                <a:solidFill>
-                  <a:schemeClr val="bg1"/>
-                </a:solidFill>
-                <a:effectLst/>
-                <a:latin typeface="Söhne"/>
-              </a:rPr>
-              <a:t>brzinom</a:t>
-            </a:r>
-            <a:r>
-              <a:rPr lang="en-US" sz="2000" b="0" i="0" dirty="0">
-                <a:solidFill>
-                  <a:schemeClr val="bg1"/>
-                </a:solidFill>
-                <a:effectLst/>
-                <a:latin typeface="Söhne"/>
-              </a:rPr>
-              <a:t> </a:t>
-            </a:r>
-            <a:r>
-              <a:rPr lang="el-GR" sz="2000" b="0" i="0" dirty="0">
-                <a:solidFill>
-                  <a:schemeClr val="bg1"/>
-                </a:solidFill>
-                <a:effectLst/>
-                <a:latin typeface="Söhne"/>
-              </a:rPr>
-              <a:t>σ &gt; 0.</a:t>
-            </a:r>
-          </a:p>
-          <a:p>
-            <a:pPr algn="l"/>
-            <a:r>
-              <a:rPr lang="el-GR" sz="2000" b="0" i="0" dirty="0">
-                <a:solidFill>
-                  <a:schemeClr val="bg1"/>
-                </a:solidFill>
-                <a:effectLst/>
-                <a:latin typeface="Söhne"/>
-              </a:rPr>
-              <a:t>(</a:t>
-            </a:r>
-            <a:r>
-              <a:rPr lang="en-US" sz="2000" b="0" i="0" dirty="0">
-                <a:solidFill>
-                  <a:schemeClr val="bg1"/>
-                </a:solidFill>
-                <a:effectLst/>
-                <a:latin typeface="Söhne"/>
-              </a:rPr>
-              <a:t>H3) </a:t>
-            </a:r>
-            <a:r>
-              <a:rPr lang="en-US" sz="2000" b="0" i="0" dirty="0" err="1">
-                <a:solidFill>
-                  <a:schemeClr val="bg1"/>
-                </a:solidFill>
-                <a:effectLst/>
-                <a:latin typeface="Söhne"/>
-              </a:rPr>
-              <a:t>Budući</a:t>
-            </a:r>
-            <a:r>
-              <a:rPr lang="en-US" sz="2000" b="0" i="0" dirty="0">
-                <a:solidFill>
-                  <a:schemeClr val="bg1"/>
-                </a:solidFill>
-                <a:effectLst/>
-                <a:latin typeface="Söhne"/>
-              </a:rPr>
-              <a:t> da </a:t>
-            </a:r>
-            <a:r>
-              <a:rPr lang="en-US" sz="2000" b="0" i="0" dirty="0" err="1">
-                <a:solidFill>
-                  <a:schemeClr val="bg1"/>
-                </a:solidFill>
-                <a:effectLst/>
-                <a:latin typeface="Söhne"/>
-              </a:rPr>
-              <a:t>naš</a:t>
-            </a:r>
-            <a:r>
-              <a:rPr lang="en-US" sz="2000" b="0" i="0" dirty="0">
-                <a:solidFill>
-                  <a:schemeClr val="bg1"/>
-                </a:solidFill>
-                <a:effectLst/>
-                <a:latin typeface="Söhne"/>
-              </a:rPr>
-              <a:t> model </a:t>
-            </a:r>
-            <a:r>
-              <a:rPr lang="en-US" sz="2000" b="0" i="0" dirty="0" err="1">
-                <a:solidFill>
-                  <a:schemeClr val="bg1"/>
-                </a:solidFill>
-                <a:effectLst/>
-                <a:latin typeface="Söhne"/>
-              </a:rPr>
-              <a:t>uključuje</a:t>
-            </a:r>
-            <a:r>
-              <a:rPr lang="en-US" sz="2000" b="0" i="0" dirty="0">
-                <a:solidFill>
-                  <a:schemeClr val="bg1"/>
-                </a:solidFill>
-                <a:effectLst/>
-                <a:latin typeface="Söhne"/>
-              </a:rPr>
-              <a:t> </a:t>
-            </a:r>
-            <a:r>
-              <a:rPr lang="en-US" sz="2000" b="0" i="0" dirty="0" err="1">
-                <a:solidFill>
-                  <a:schemeClr val="bg1"/>
-                </a:solidFill>
-                <a:effectLst/>
-                <a:latin typeface="Söhne"/>
-              </a:rPr>
-              <a:t>vitalnu</a:t>
-            </a:r>
-            <a:r>
-              <a:rPr lang="en-US" sz="2000" b="0" i="0" dirty="0">
-                <a:solidFill>
-                  <a:schemeClr val="bg1"/>
-                </a:solidFill>
-                <a:effectLst/>
-                <a:latin typeface="Söhne"/>
-              </a:rPr>
-              <a:t> </a:t>
-            </a:r>
-            <a:r>
-              <a:rPr lang="en-US" sz="2000" b="0" i="0" dirty="0" err="1">
-                <a:solidFill>
-                  <a:schemeClr val="bg1"/>
-                </a:solidFill>
-                <a:effectLst/>
-                <a:latin typeface="Söhne"/>
-              </a:rPr>
-              <a:t>dinamiku</a:t>
-            </a:r>
-            <a:r>
-              <a:rPr lang="en-US" sz="2000" b="0" i="0" dirty="0">
-                <a:solidFill>
-                  <a:schemeClr val="bg1"/>
-                </a:solidFill>
-                <a:effectLst/>
-                <a:latin typeface="Söhne"/>
-              </a:rPr>
-              <a:t>, </a:t>
-            </a:r>
-            <a:r>
-              <a:rPr lang="en-US" sz="2000" b="0" i="0" dirty="0" err="1">
-                <a:solidFill>
-                  <a:schemeClr val="bg1"/>
-                </a:solidFill>
-                <a:effectLst/>
-                <a:latin typeface="Söhne"/>
-              </a:rPr>
-              <a:t>svaki</a:t>
-            </a:r>
-            <a:r>
-              <a:rPr lang="en-US" sz="2000" b="0" i="0" dirty="0">
-                <a:solidFill>
-                  <a:schemeClr val="bg1"/>
-                </a:solidFill>
-                <a:effectLst/>
-                <a:latin typeface="Söhne"/>
-              </a:rPr>
-              <a:t> </a:t>
-            </a:r>
-            <a:r>
-              <a:rPr lang="en-US" sz="2000" b="0" i="0" dirty="0" err="1">
-                <a:solidFill>
-                  <a:schemeClr val="bg1"/>
-                </a:solidFill>
-                <a:effectLst/>
-                <a:latin typeface="Söhne"/>
-              </a:rPr>
-              <a:t>napadački</a:t>
-            </a:r>
-            <a:r>
-              <a:rPr lang="en-US" sz="2000" b="0" i="0" dirty="0">
-                <a:solidFill>
-                  <a:schemeClr val="bg1"/>
-                </a:solidFill>
-                <a:effectLst/>
-                <a:latin typeface="Söhne"/>
-              </a:rPr>
-              <a:t> </a:t>
-            </a:r>
-            <a:r>
-              <a:rPr lang="en-US" sz="2000" b="0" i="0" dirty="0" err="1">
-                <a:solidFill>
-                  <a:schemeClr val="bg1"/>
-                </a:solidFill>
-                <a:effectLst/>
-                <a:latin typeface="Söhne"/>
-              </a:rPr>
-              <a:t>čvor</a:t>
-            </a:r>
-            <a:r>
-              <a:rPr lang="en-US" sz="2000" b="0" i="0" dirty="0">
-                <a:solidFill>
-                  <a:schemeClr val="bg1"/>
-                </a:solidFill>
-                <a:effectLst/>
-                <a:latin typeface="Söhne"/>
-              </a:rPr>
-              <a:t> (</a:t>
-            </a:r>
-            <a:r>
-              <a:rPr lang="en-US" sz="2000" b="0" i="0" dirty="0" err="1">
-                <a:solidFill>
-                  <a:schemeClr val="bg1"/>
-                </a:solidFill>
-                <a:effectLst/>
-                <a:latin typeface="Söhne"/>
-              </a:rPr>
-              <a:t>osjetljivi</a:t>
-            </a:r>
-            <a:r>
-              <a:rPr lang="en-US" sz="2000" b="0" i="0" dirty="0">
-                <a:solidFill>
-                  <a:schemeClr val="bg1"/>
-                </a:solidFill>
-                <a:effectLst/>
-                <a:latin typeface="Söhne"/>
-              </a:rPr>
-              <a:t>, </a:t>
-            </a:r>
-            <a:r>
-              <a:rPr lang="en-US" sz="2000" b="0" i="0" dirty="0" err="1">
-                <a:solidFill>
-                  <a:schemeClr val="bg1"/>
-                </a:solidFill>
-                <a:effectLst/>
-                <a:latin typeface="Söhne"/>
-              </a:rPr>
-              <a:t>infektivni</a:t>
-            </a:r>
-            <a:r>
-              <a:rPr lang="en-US" sz="2000" b="0" i="0" dirty="0">
-                <a:solidFill>
-                  <a:schemeClr val="bg1"/>
-                </a:solidFill>
-                <a:effectLst/>
-                <a:latin typeface="Söhne"/>
-              </a:rPr>
-              <a:t> </a:t>
-            </a:r>
-            <a:r>
-              <a:rPr lang="en-US" sz="2000" b="0" i="0" dirty="0" err="1">
-                <a:solidFill>
-                  <a:schemeClr val="bg1"/>
-                </a:solidFill>
-                <a:effectLst/>
-                <a:latin typeface="Söhne"/>
-              </a:rPr>
-              <a:t>ili</a:t>
-            </a:r>
-            <a:r>
-              <a:rPr lang="en-US" sz="2000" b="0" i="0" dirty="0">
-                <a:solidFill>
-                  <a:schemeClr val="bg1"/>
-                </a:solidFill>
-                <a:effectLst/>
-                <a:latin typeface="Söhne"/>
-              </a:rPr>
-              <a:t> </a:t>
-            </a:r>
-            <a:r>
-              <a:rPr lang="en-US" sz="2000" b="0" i="0" dirty="0" err="1">
-                <a:solidFill>
-                  <a:schemeClr val="bg1"/>
-                </a:solidFill>
-                <a:effectLst/>
-                <a:latin typeface="Söhne"/>
-              </a:rPr>
-              <a:t>vanjski</a:t>
-            </a:r>
-            <a:r>
-              <a:rPr lang="en-US" sz="2000" b="0" i="0" dirty="0">
-                <a:solidFill>
-                  <a:schemeClr val="bg1"/>
-                </a:solidFill>
-                <a:effectLst/>
-                <a:latin typeface="Söhne"/>
-              </a:rPr>
-              <a:t>) </a:t>
-            </a:r>
-            <a:r>
-              <a:rPr lang="en-US" sz="2000" b="0" i="0" dirty="0" err="1">
-                <a:solidFill>
-                  <a:schemeClr val="bg1"/>
-                </a:solidFill>
-                <a:effectLst/>
-                <a:latin typeface="Söhne"/>
-              </a:rPr>
-              <a:t>izumire</a:t>
-            </a:r>
-            <a:r>
-              <a:rPr lang="en-US" sz="2000" b="0" i="0" dirty="0">
-                <a:solidFill>
-                  <a:schemeClr val="bg1"/>
-                </a:solidFill>
-                <a:effectLst/>
-                <a:latin typeface="Söhne"/>
-              </a:rPr>
-              <a:t> s </a:t>
-            </a:r>
-            <a:r>
-              <a:rPr lang="en-US" sz="2000" b="0" i="0" dirty="0" err="1">
-                <a:solidFill>
-                  <a:schemeClr val="bg1"/>
-                </a:solidFill>
-                <a:effectLst/>
-                <a:latin typeface="Söhne"/>
-              </a:rPr>
-              <a:t>vjerojatnošću</a:t>
-            </a:r>
-            <a:r>
-              <a:rPr lang="en-US" sz="2000" b="0" i="0" dirty="0">
-                <a:solidFill>
-                  <a:schemeClr val="bg1"/>
-                </a:solidFill>
-                <a:effectLst/>
-                <a:latin typeface="Söhne"/>
-              </a:rPr>
-              <a:t> </a:t>
-            </a:r>
-            <a:r>
-              <a:rPr lang="el-GR" sz="2000" b="0" i="0" dirty="0">
-                <a:solidFill>
-                  <a:schemeClr val="bg1"/>
-                </a:solidFill>
-                <a:effectLst/>
-                <a:latin typeface="Söhne"/>
-              </a:rPr>
-              <a:t>μ &gt; 0.</a:t>
-            </a:r>
-          </a:p>
-          <a:p>
-            <a:pPr algn="l"/>
-            <a:r>
-              <a:rPr lang="el-GR" sz="2000" b="0" i="0" dirty="0">
-                <a:solidFill>
-                  <a:schemeClr val="bg1"/>
-                </a:solidFill>
-                <a:effectLst/>
-                <a:latin typeface="Söhne"/>
-              </a:rPr>
-              <a:t>(</a:t>
-            </a:r>
-            <a:r>
-              <a:rPr lang="en-US" sz="2000" b="0" i="0" dirty="0">
-                <a:solidFill>
-                  <a:schemeClr val="bg1"/>
-                </a:solidFill>
-                <a:effectLst/>
-                <a:latin typeface="Söhne"/>
-              </a:rPr>
-              <a:t>H4) </a:t>
-            </a:r>
-            <a:r>
-              <a:rPr lang="el-GR" sz="2000" b="0" i="0" dirty="0">
-                <a:solidFill>
-                  <a:schemeClr val="bg1"/>
-                </a:solidFill>
-                <a:effectLst/>
-                <a:latin typeface="Söhne"/>
-              </a:rPr>
-              <a:t>μ </a:t>
-            </a:r>
-            <a:r>
-              <a:rPr lang="en-US" sz="2000" b="0" i="0" dirty="0">
-                <a:solidFill>
-                  <a:schemeClr val="bg1"/>
-                </a:solidFill>
-                <a:effectLst/>
-                <a:latin typeface="Söhne"/>
-              </a:rPr>
-              <a:t>je </a:t>
-            </a:r>
-            <a:r>
-              <a:rPr lang="en-US" sz="2000" b="0" i="0" dirty="0" err="1">
-                <a:solidFill>
-                  <a:schemeClr val="bg1"/>
-                </a:solidFill>
-                <a:effectLst/>
-                <a:latin typeface="Söhne"/>
-              </a:rPr>
-              <a:t>također</a:t>
-            </a:r>
-            <a:r>
-              <a:rPr lang="en-US" sz="2000" b="0" i="0" dirty="0">
-                <a:solidFill>
-                  <a:schemeClr val="bg1"/>
-                </a:solidFill>
-                <a:effectLst/>
-                <a:latin typeface="Söhne"/>
-              </a:rPr>
-              <a:t> </a:t>
-            </a:r>
-            <a:r>
-              <a:rPr lang="en-US" sz="2000" b="0" i="0" dirty="0" err="1">
-                <a:solidFill>
-                  <a:schemeClr val="bg1"/>
-                </a:solidFill>
-                <a:effectLst/>
-                <a:latin typeface="Söhne"/>
-              </a:rPr>
-              <a:t>stopa</a:t>
-            </a:r>
-            <a:r>
-              <a:rPr lang="en-US" sz="2000" b="0" i="0" dirty="0">
-                <a:solidFill>
-                  <a:schemeClr val="bg1"/>
-                </a:solidFill>
-                <a:effectLst/>
-                <a:latin typeface="Söhne"/>
-              </a:rPr>
-              <a:t> </a:t>
-            </a:r>
-            <a:r>
-              <a:rPr lang="en-US" sz="2000" b="0" i="0" dirty="0" err="1">
-                <a:solidFill>
-                  <a:schemeClr val="bg1"/>
-                </a:solidFill>
-                <a:effectLst/>
-                <a:latin typeface="Söhne"/>
-              </a:rPr>
-              <a:t>dodavanja</a:t>
-            </a:r>
-            <a:r>
-              <a:rPr lang="en-US" sz="2000" b="0" i="0" dirty="0">
-                <a:solidFill>
-                  <a:schemeClr val="bg1"/>
-                </a:solidFill>
-                <a:effectLst/>
-                <a:latin typeface="Söhne"/>
-              </a:rPr>
-              <a:t> </a:t>
-            </a:r>
-            <a:r>
-              <a:rPr lang="en-US" sz="2000" b="0" i="0" dirty="0" err="1">
-                <a:solidFill>
-                  <a:schemeClr val="bg1"/>
-                </a:solidFill>
-                <a:effectLst/>
-                <a:latin typeface="Söhne"/>
-              </a:rPr>
-              <a:t>novih</a:t>
-            </a:r>
-            <a:r>
-              <a:rPr lang="en-US" sz="2000" b="0" i="0" dirty="0">
-                <a:solidFill>
-                  <a:schemeClr val="bg1"/>
-                </a:solidFill>
-                <a:effectLst/>
-                <a:latin typeface="Söhne"/>
-              </a:rPr>
-              <a:t> </a:t>
-            </a:r>
-            <a:r>
-              <a:rPr lang="en-US" sz="2000" b="0" i="0" dirty="0" err="1">
-                <a:solidFill>
-                  <a:schemeClr val="bg1"/>
-                </a:solidFill>
-                <a:effectLst/>
-                <a:latin typeface="Söhne"/>
-              </a:rPr>
-              <a:t>čvorova</a:t>
-            </a:r>
-            <a:r>
-              <a:rPr lang="en-US" sz="2000" b="0" i="0" dirty="0">
-                <a:solidFill>
-                  <a:schemeClr val="bg1"/>
-                </a:solidFill>
-                <a:effectLst/>
-                <a:latin typeface="Söhne"/>
-              </a:rPr>
-              <a:t> u </a:t>
-            </a:r>
-            <a:r>
-              <a:rPr lang="en-US" sz="2000" b="0" i="0" dirty="0" err="1">
-                <a:solidFill>
-                  <a:schemeClr val="bg1"/>
-                </a:solidFill>
-                <a:effectLst/>
-                <a:latin typeface="Söhne"/>
-              </a:rPr>
-              <a:t>vanjski</a:t>
-            </a:r>
-            <a:r>
-              <a:rPr lang="en-US" sz="2000" b="0" i="0" dirty="0">
-                <a:solidFill>
-                  <a:schemeClr val="bg1"/>
-                </a:solidFill>
-                <a:effectLst/>
-                <a:latin typeface="Söhne"/>
-              </a:rPr>
-              <a:t> </a:t>
-            </a:r>
-            <a:r>
-              <a:rPr lang="en-US" sz="2000" b="0" i="0" dirty="0" err="1">
-                <a:solidFill>
-                  <a:schemeClr val="bg1"/>
-                </a:solidFill>
-                <a:effectLst/>
-                <a:latin typeface="Söhne"/>
-              </a:rPr>
-              <a:t>skup</a:t>
-            </a:r>
-            <a:r>
-              <a:rPr lang="en-US" sz="2000" b="0" i="0" dirty="0">
-                <a:solidFill>
-                  <a:schemeClr val="bg1"/>
-                </a:solidFill>
-                <a:effectLst/>
-                <a:latin typeface="Söhne"/>
-              </a:rPr>
-              <a:t> </a:t>
-            </a:r>
-            <a:r>
-              <a:rPr lang="en-US" sz="2000" b="0" i="0" dirty="0" err="1">
-                <a:solidFill>
-                  <a:schemeClr val="bg1"/>
-                </a:solidFill>
-                <a:effectLst/>
-                <a:latin typeface="Söhne"/>
-              </a:rPr>
-              <a:t>čvorova</a:t>
-            </a:r>
-            <a:r>
-              <a:rPr lang="en-US" sz="2000" b="0" i="0" dirty="0">
-                <a:solidFill>
-                  <a:schemeClr val="bg1"/>
-                </a:solidFill>
-                <a:effectLst/>
-                <a:latin typeface="Söhne"/>
-              </a:rPr>
-              <a:t>.</a:t>
-            </a:r>
-          </a:p>
-          <a:p>
-            <a:pPr algn="l"/>
-            <a:r>
-              <a:rPr lang="en-US" sz="2000" b="0" i="0" dirty="0">
-                <a:solidFill>
-                  <a:schemeClr val="bg1"/>
-                </a:solidFill>
-                <a:effectLst/>
-                <a:latin typeface="Söhne"/>
-              </a:rPr>
-              <a:t>(H5) </a:t>
-            </a:r>
-            <a:r>
-              <a:rPr lang="en-US" sz="2000" b="0" i="0" dirty="0" err="1">
-                <a:solidFill>
-                  <a:schemeClr val="bg1"/>
-                </a:solidFill>
-                <a:effectLst/>
-                <a:latin typeface="Söhne"/>
-              </a:rPr>
-              <a:t>Svaki</a:t>
-            </a:r>
-            <a:r>
-              <a:rPr lang="en-US" sz="2000" b="0" i="0" dirty="0">
-                <a:solidFill>
-                  <a:schemeClr val="bg1"/>
-                </a:solidFill>
-                <a:effectLst/>
-                <a:latin typeface="Söhne"/>
-              </a:rPr>
-              <a:t> </a:t>
-            </a:r>
-            <a:r>
-              <a:rPr lang="en-US" sz="2000" b="0" i="0" dirty="0" err="1">
-                <a:solidFill>
-                  <a:schemeClr val="bg1"/>
-                </a:solidFill>
-                <a:effectLst/>
-                <a:latin typeface="Söhne"/>
-              </a:rPr>
-              <a:t>osjetljivi</a:t>
-            </a:r>
-            <a:r>
-              <a:rPr lang="en-US" sz="2000" b="0" i="0" dirty="0">
-                <a:solidFill>
-                  <a:schemeClr val="bg1"/>
-                </a:solidFill>
-                <a:effectLst/>
-                <a:latin typeface="Söhne"/>
-              </a:rPr>
-              <a:t> </a:t>
-            </a:r>
-            <a:r>
-              <a:rPr lang="en-US" sz="2000" b="0" i="0" dirty="0" err="1">
-                <a:solidFill>
-                  <a:schemeClr val="bg1"/>
-                </a:solidFill>
-                <a:effectLst/>
-                <a:latin typeface="Söhne"/>
-              </a:rPr>
-              <a:t>čvor</a:t>
-            </a:r>
-            <a:r>
-              <a:rPr lang="en-US" sz="2000" b="0" i="0" dirty="0">
-                <a:solidFill>
-                  <a:schemeClr val="bg1"/>
-                </a:solidFill>
-                <a:effectLst/>
-                <a:latin typeface="Söhne"/>
-              </a:rPr>
-              <a:t> (</a:t>
-            </a:r>
-            <a:r>
-              <a:rPr lang="en-US" sz="2000" b="0" i="0" dirty="0" err="1">
-                <a:solidFill>
-                  <a:schemeClr val="bg1"/>
-                </a:solidFill>
-                <a:effectLst/>
-                <a:latin typeface="Söhne"/>
-              </a:rPr>
-              <a:t>napadački</a:t>
-            </a:r>
-            <a:r>
-              <a:rPr lang="en-US" sz="2000" b="0" i="0" dirty="0">
-                <a:solidFill>
-                  <a:schemeClr val="bg1"/>
-                </a:solidFill>
-                <a:effectLst/>
-                <a:latin typeface="Söhne"/>
-              </a:rPr>
-              <a:t> </a:t>
-            </a:r>
-            <a:r>
-              <a:rPr lang="en-US" sz="2000" b="0" i="0" dirty="0" err="1">
-                <a:solidFill>
-                  <a:schemeClr val="bg1"/>
-                </a:solidFill>
-                <a:effectLst/>
-                <a:latin typeface="Söhne"/>
-              </a:rPr>
-              <a:t>ili</a:t>
-            </a:r>
-            <a:r>
-              <a:rPr lang="en-US" sz="2000" b="0" i="0" dirty="0">
-                <a:solidFill>
-                  <a:schemeClr val="bg1"/>
-                </a:solidFill>
-                <a:effectLst/>
-                <a:latin typeface="Söhne"/>
-              </a:rPr>
-              <a:t> </a:t>
-            </a:r>
-            <a:r>
-              <a:rPr lang="en-US" sz="2000" b="0" i="0" dirty="0" err="1">
-                <a:solidFill>
-                  <a:schemeClr val="bg1"/>
-                </a:solidFill>
-                <a:effectLst/>
-                <a:latin typeface="Söhne"/>
-              </a:rPr>
-              <a:t>ciljni</a:t>
-            </a:r>
-            <a:r>
-              <a:rPr lang="en-US" sz="2000" b="0" i="0" dirty="0">
-                <a:solidFill>
-                  <a:schemeClr val="bg1"/>
-                </a:solidFill>
-                <a:effectLst/>
-                <a:latin typeface="Söhne"/>
-              </a:rPr>
-              <a:t>) </a:t>
-            </a:r>
-            <a:r>
-              <a:rPr lang="en-US" sz="2000" b="0" i="0" dirty="0" err="1">
-                <a:solidFill>
-                  <a:schemeClr val="bg1"/>
-                </a:solidFill>
-                <a:effectLst/>
-                <a:latin typeface="Söhne"/>
-              </a:rPr>
-              <a:t>inficira</a:t>
-            </a:r>
-            <a:r>
-              <a:rPr lang="en-US" sz="2000" b="0" i="0" dirty="0">
-                <a:solidFill>
-                  <a:schemeClr val="bg1"/>
-                </a:solidFill>
-                <a:effectLst/>
-                <a:latin typeface="Söhne"/>
-              </a:rPr>
-              <a:t> se od </a:t>
-            </a:r>
-            <a:r>
-              <a:rPr lang="en-US" sz="2000" b="0" i="0" dirty="0" err="1">
-                <a:solidFill>
-                  <a:schemeClr val="bg1"/>
-                </a:solidFill>
-                <a:effectLst/>
-                <a:latin typeface="Söhne"/>
-              </a:rPr>
-              <a:t>strane</a:t>
-            </a:r>
-            <a:r>
-              <a:rPr lang="en-US" sz="2000" b="0" i="0" dirty="0">
-                <a:solidFill>
-                  <a:schemeClr val="bg1"/>
-                </a:solidFill>
-                <a:effectLst/>
-                <a:latin typeface="Söhne"/>
-              </a:rPr>
-              <a:t> </a:t>
-            </a:r>
-            <a:r>
-              <a:rPr lang="en-US" sz="2000" b="0" i="0" dirty="0" err="1">
-                <a:solidFill>
-                  <a:schemeClr val="bg1"/>
-                </a:solidFill>
-                <a:effectLst/>
-                <a:latin typeface="Söhne"/>
-              </a:rPr>
-              <a:t>infektivnog</a:t>
-            </a:r>
-            <a:r>
-              <a:rPr lang="en-US" sz="2000" b="0" i="0" dirty="0">
-                <a:solidFill>
-                  <a:schemeClr val="bg1"/>
-                </a:solidFill>
-                <a:effectLst/>
-                <a:latin typeface="Söhne"/>
-              </a:rPr>
-              <a:t> </a:t>
-            </a:r>
-            <a:r>
-              <a:rPr lang="en-US" sz="2000" b="0" i="0" dirty="0" err="1">
-                <a:solidFill>
-                  <a:schemeClr val="bg1"/>
-                </a:solidFill>
-                <a:effectLst/>
-                <a:latin typeface="Söhne"/>
-              </a:rPr>
-              <a:t>napadačkog</a:t>
-            </a:r>
-            <a:r>
-              <a:rPr lang="en-US" sz="2000" b="0" i="0" dirty="0">
-                <a:solidFill>
-                  <a:schemeClr val="bg1"/>
-                </a:solidFill>
-                <a:effectLst/>
-                <a:latin typeface="Söhne"/>
-              </a:rPr>
-              <a:t> </a:t>
-            </a:r>
-            <a:r>
-              <a:rPr lang="en-US" sz="2000" b="0" i="0" dirty="0" err="1">
-                <a:solidFill>
-                  <a:schemeClr val="bg1"/>
-                </a:solidFill>
-                <a:effectLst/>
-                <a:latin typeface="Söhne"/>
-              </a:rPr>
-              <a:t>čvora</a:t>
-            </a:r>
-            <a:r>
-              <a:rPr lang="en-US" sz="2000" b="0" i="0" dirty="0">
-                <a:solidFill>
-                  <a:schemeClr val="bg1"/>
-                </a:solidFill>
-                <a:effectLst/>
-                <a:latin typeface="Söhne"/>
-              </a:rPr>
-              <a:t> </a:t>
-            </a:r>
-            <a:r>
-              <a:rPr lang="en-US" sz="2000" b="0" i="0" dirty="0" err="1">
-                <a:solidFill>
-                  <a:schemeClr val="bg1"/>
-                </a:solidFill>
-                <a:effectLst/>
-                <a:latin typeface="Söhne"/>
-              </a:rPr>
-              <a:t>brzinom</a:t>
-            </a:r>
-            <a:r>
-              <a:rPr lang="en-US" sz="2000" b="0" i="0" dirty="0">
-                <a:solidFill>
-                  <a:schemeClr val="bg1"/>
-                </a:solidFill>
-                <a:effectLst/>
-                <a:latin typeface="Söhne"/>
-              </a:rPr>
-              <a:t> </a:t>
-            </a:r>
-            <a:r>
-              <a:rPr lang="el-GR" sz="2000" b="0" i="0" dirty="0">
-                <a:solidFill>
-                  <a:schemeClr val="bg1"/>
-                </a:solidFill>
-                <a:effectLst/>
-                <a:latin typeface="Söhne"/>
-              </a:rPr>
-              <a:t>β &gt; 0.</a:t>
-            </a:r>
-          </a:p>
-          <a:p>
-            <a:pPr algn="l"/>
-            <a:r>
-              <a:rPr lang="el-GR" sz="2000" b="0" i="0" dirty="0">
-                <a:solidFill>
-                  <a:schemeClr val="bg1"/>
-                </a:solidFill>
-                <a:effectLst/>
-                <a:latin typeface="Söhne"/>
-              </a:rPr>
-              <a:t>(</a:t>
-            </a:r>
-            <a:r>
-              <a:rPr lang="en-US" sz="2000" b="0" i="0" dirty="0">
-                <a:solidFill>
-                  <a:schemeClr val="bg1"/>
-                </a:solidFill>
-                <a:effectLst/>
-                <a:latin typeface="Söhne"/>
-              </a:rPr>
-              <a:t>H6) </a:t>
-            </a:r>
-            <a:r>
-              <a:rPr lang="en-US" sz="2000" b="0" i="0" dirty="0" err="1">
-                <a:solidFill>
-                  <a:schemeClr val="bg1"/>
-                </a:solidFill>
-                <a:effectLst/>
-                <a:latin typeface="Söhne"/>
-              </a:rPr>
-              <a:t>Dezinficirani</a:t>
-            </a:r>
-            <a:r>
-              <a:rPr lang="en-US" sz="2000" b="0" i="0" dirty="0">
-                <a:solidFill>
-                  <a:schemeClr val="bg1"/>
-                </a:solidFill>
-                <a:effectLst/>
-                <a:latin typeface="Söhne"/>
-              </a:rPr>
-              <a:t> </a:t>
-            </a:r>
-            <a:r>
-              <a:rPr lang="en-US" sz="2000" b="0" i="0" dirty="0" err="1">
-                <a:solidFill>
-                  <a:schemeClr val="bg1"/>
-                </a:solidFill>
-                <a:effectLst/>
-                <a:latin typeface="Söhne"/>
-              </a:rPr>
-              <a:t>napadački</a:t>
-            </a:r>
-            <a:r>
-              <a:rPr lang="en-US" sz="2000" b="0" i="0" dirty="0">
-                <a:solidFill>
-                  <a:schemeClr val="bg1"/>
-                </a:solidFill>
-                <a:effectLst/>
-                <a:latin typeface="Söhne"/>
-              </a:rPr>
-              <a:t> </a:t>
-            </a:r>
-            <a:r>
-              <a:rPr lang="en-US" sz="2000" b="0" i="0" dirty="0" err="1">
-                <a:solidFill>
-                  <a:schemeClr val="bg1"/>
-                </a:solidFill>
-                <a:effectLst/>
-                <a:latin typeface="Söhne"/>
-              </a:rPr>
-              <a:t>čvor</a:t>
-            </a:r>
-            <a:r>
-              <a:rPr lang="en-US" sz="2000" b="0" i="0" dirty="0">
-                <a:solidFill>
-                  <a:schemeClr val="bg1"/>
-                </a:solidFill>
-                <a:effectLst/>
-                <a:latin typeface="Söhne"/>
-              </a:rPr>
-              <a:t> </a:t>
-            </a:r>
-            <a:r>
-              <a:rPr lang="en-US" sz="2000" b="0" i="0" dirty="0" err="1">
-                <a:solidFill>
-                  <a:schemeClr val="bg1"/>
-                </a:solidFill>
-                <a:effectLst/>
-                <a:latin typeface="Söhne"/>
-              </a:rPr>
-              <a:t>ponovno</a:t>
-            </a:r>
-            <a:r>
-              <a:rPr lang="en-US" sz="2000" b="0" i="0" dirty="0">
-                <a:solidFill>
-                  <a:schemeClr val="bg1"/>
-                </a:solidFill>
-                <a:effectLst/>
-                <a:latin typeface="Söhne"/>
-              </a:rPr>
-              <a:t> </a:t>
-            </a:r>
-            <a:r>
-              <a:rPr lang="en-US" sz="2000" b="0" i="0" dirty="0" err="1">
-                <a:solidFill>
-                  <a:schemeClr val="bg1"/>
-                </a:solidFill>
-                <a:effectLst/>
-                <a:latin typeface="Söhne"/>
-              </a:rPr>
-              <a:t>postaje</a:t>
-            </a:r>
-            <a:r>
-              <a:rPr lang="en-US" sz="2000" b="0" i="0" dirty="0">
-                <a:solidFill>
-                  <a:schemeClr val="bg1"/>
-                </a:solidFill>
-                <a:effectLst/>
-                <a:latin typeface="Söhne"/>
-              </a:rPr>
-              <a:t> </a:t>
-            </a:r>
-            <a:r>
-              <a:rPr lang="en-US" sz="2000" b="0" i="0" dirty="0" err="1">
-                <a:solidFill>
-                  <a:schemeClr val="bg1"/>
-                </a:solidFill>
-                <a:effectLst/>
-                <a:latin typeface="Söhne"/>
-              </a:rPr>
-              <a:t>osjetljivi</a:t>
-            </a:r>
-            <a:r>
-              <a:rPr lang="en-US" sz="2000" b="0" i="0" dirty="0">
-                <a:solidFill>
-                  <a:schemeClr val="bg1"/>
-                </a:solidFill>
-                <a:effectLst/>
-                <a:latin typeface="Söhne"/>
-              </a:rPr>
-              <a:t> </a:t>
-            </a:r>
-            <a:r>
-              <a:rPr lang="en-US" sz="2000" b="0" i="0" dirty="0" err="1">
-                <a:solidFill>
-                  <a:schemeClr val="bg1"/>
-                </a:solidFill>
-                <a:effectLst/>
-                <a:latin typeface="Söhne"/>
-              </a:rPr>
-              <a:t>napadački</a:t>
-            </a:r>
-            <a:r>
-              <a:rPr lang="en-US" sz="2000" b="0" i="0" dirty="0">
-                <a:solidFill>
-                  <a:schemeClr val="bg1"/>
-                </a:solidFill>
-                <a:effectLst/>
-                <a:latin typeface="Söhne"/>
-              </a:rPr>
-              <a:t> </a:t>
-            </a:r>
-            <a:r>
-              <a:rPr lang="en-US" sz="2000" b="0" i="0" dirty="0" err="1">
-                <a:solidFill>
-                  <a:schemeClr val="bg1"/>
-                </a:solidFill>
-                <a:effectLst/>
-                <a:latin typeface="Söhne"/>
-              </a:rPr>
-              <a:t>čvor</a:t>
-            </a:r>
-            <a:r>
-              <a:rPr lang="en-US" sz="2000" b="0" i="0" dirty="0">
-                <a:solidFill>
-                  <a:schemeClr val="bg1"/>
-                </a:solidFill>
-                <a:effectLst/>
-                <a:latin typeface="Söhne"/>
-              </a:rPr>
-              <a:t> </a:t>
-            </a:r>
-            <a:r>
-              <a:rPr lang="en-US" sz="2000" b="0" i="0" dirty="0" err="1">
-                <a:solidFill>
-                  <a:schemeClr val="bg1"/>
-                </a:solidFill>
-                <a:effectLst/>
-                <a:latin typeface="Söhne"/>
-              </a:rPr>
-              <a:t>brzinom</a:t>
-            </a:r>
-            <a:r>
-              <a:rPr lang="en-US" sz="2000" b="0" i="0" dirty="0">
-                <a:solidFill>
-                  <a:schemeClr val="bg1"/>
-                </a:solidFill>
-                <a:effectLst/>
-                <a:latin typeface="Söhne"/>
-              </a:rPr>
-              <a:t> </a:t>
-            </a:r>
-            <a:r>
-              <a:rPr lang="el-GR" sz="2000" b="0" i="0" dirty="0">
-                <a:solidFill>
-                  <a:schemeClr val="bg1"/>
-                </a:solidFill>
-                <a:effectLst/>
-                <a:latin typeface="Söhne"/>
-              </a:rPr>
-              <a:t>ε</a:t>
-            </a:r>
-            <a:r>
-              <a:rPr lang="en-US" sz="2000" b="0" i="0" dirty="0">
-                <a:solidFill>
-                  <a:schemeClr val="bg1"/>
-                </a:solidFill>
-                <a:effectLst/>
-                <a:latin typeface="Söhne"/>
-              </a:rPr>
-              <a:t>a &gt; 0.</a:t>
-            </a:r>
-          </a:p>
-          <a:p>
-            <a:pPr algn="l"/>
-            <a:r>
-              <a:rPr lang="en-US" sz="2000" b="0" i="0" dirty="0">
-                <a:solidFill>
-                  <a:schemeClr val="bg1"/>
-                </a:solidFill>
-                <a:effectLst/>
-                <a:latin typeface="Söhne"/>
-              </a:rPr>
-              <a:t>(H7) </a:t>
-            </a:r>
-            <a:r>
-              <a:rPr lang="en-US" sz="2000" b="0" i="0" dirty="0" err="1">
-                <a:solidFill>
-                  <a:schemeClr val="bg1"/>
-                </a:solidFill>
-                <a:effectLst/>
-                <a:latin typeface="Söhne"/>
-              </a:rPr>
-              <a:t>Zbog</a:t>
-            </a:r>
-            <a:r>
-              <a:rPr lang="en-US" sz="2000" b="0" i="0" dirty="0">
-                <a:solidFill>
-                  <a:schemeClr val="bg1"/>
-                </a:solidFill>
-                <a:effectLst/>
-                <a:latin typeface="Söhne"/>
-              </a:rPr>
-              <a:t> </a:t>
-            </a:r>
-            <a:r>
-              <a:rPr lang="en-US" sz="2000" b="0" i="0" dirty="0" err="1">
-                <a:solidFill>
-                  <a:schemeClr val="bg1"/>
-                </a:solidFill>
-                <a:effectLst/>
-                <a:latin typeface="Söhne"/>
-              </a:rPr>
-              <a:t>djelovanja</a:t>
-            </a:r>
-            <a:r>
-              <a:rPr lang="en-US" sz="2000" b="0" i="0" dirty="0">
-                <a:solidFill>
-                  <a:schemeClr val="bg1"/>
-                </a:solidFill>
-                <a:effectLst/>
-                <a:latin typeface="Söhne"/>
-              </a:rPr>
-              <a:t> </a:t>
-            </a:r>
-            <a:r>
-              <a:rPr lang="en-US" sz="2000" b="0" i="0" dirty="0" err="1">
-                <a:solidFill>
-                  <a:schemeClr val="bg1"/>
-                </a:solidFill>
-                <a:effectLst/>
-                <a:latin typeface="Söhne"/>
-              </a:rPr>
-              <a:t>odgovarajućeg</a:t>
-            </a:r>
-            <a:r>
-              <a:rPr lang="en-US" sz="2000" b="0" i="0" dirty="0">
-                <a:solidFill>
-                  <a:schemeClr val="bg1"/>
-                </a:solidFill>
-                <a:effectLst/>
-                <a:latin typeface="Söhne"/>
-              </a:rPr>
-              <a:t> </a:t>
-            </a:r>
-            <a:r>
-              <a:rPr lang="en-US" sz="2000" b="0" i="0" dirty="0" err="1">
-                <a:solidFill>
-                  <a:schemeClr val="bg1"/>
-                </a:solidFill>
-                <a:effectLst/>
-                <a:latin typeface="Söhne"/>
-              </a:rPr>
-              <a:t>tretmana</a:t>
-            </a:r>
-            <a:r>
-              <a:rPr lang="en-US" sz="2000" b="0" i="0" dirty="0">
-                <a:solidFill>
-                  <a:schemeClr val="bg1"/>
-                </a:solidFill>
-                <a:effectLst/>
-                <a:latin typeface="Söhne"/>
-              </a:rPr>
-              <a:t>, </a:t>
-            </a:r>
-            <a:r>
-              <a:rPr lang="en-US" sz="2000" b="0" i="0" dirty="0" err="1">
-                <a:solidFill>
-                  <a:schemeClr val="bg1"/>
-                </a:solidFill>
-                <a:effectLst/>
-                <a:latin typeface="Söhne"/>
-              </a:rPr>
-              <a:t>svaki</a:t>
-            </a:r>
-            <a:r>
-              <a:rPr lang="en-US" sz="2000" b="0" i="0" dirty="0">
-                <a:solidFill>
-                  <a:schemeClr val="bg1"/>
-                </a:solidFill>
-                <a:effectLst/>
-                <a:latin typeface="Söhne"/>
-              </a:rPr>
-              <a:t> </a:t>
-            </a:r>
-            <a:r>
-              <a:rPr lang="en-US" sz="2000" b="0" i="0" dirty="0" err="1">
-                <a:solidFill>
-                  <a:schemeClr val="bg1"/>
-                </a:solidFill>
-                <a:effectLst/>
-                <a:latin typeface="Söhne"/>
-              </a:rPr>
-              <a:t>infektivni</a:t>
-            </a:r>
-            <a:r>
-              <a:rPr lang="en-US" sz="2000" b="0" i="0" dirty="0">
-                <a:solidFill>
-                  <a:schemeClr val="bg1"/>
-                </a:solidFill>
-                <a:effectLst/>
-                <a:latin typeface="Söhne"/>
-              </a:rPr>
-              <a:t> </a:t>
-            </a:r>
-            <a:r>
-              <a:rPr lang="en-US" sz="2000" b="0" i="0" dirty="0" err="1">
-                <a:solidFill>
-                  <a:schemeClr val="bg1"/>
-                </a:solidFill>
-                <a:effectLst/>
-                <a:latin typeface="Söhne"/>
-              </a:rPr>
-              <a:t>ciljni</a:t>
-            </a:r>
-            <a:r>
-              <a:rPr lang="en-US" sz="2000" b="0" i="0" dirty="0">
-                <a:solidFill>
-                  <a:schemeClr val="bg1"/>
-                </a:solidFill>
-                <a:effectLst/>
-                <a:latin typeface="Söhne"/>
-              </a:rPr>
-              <a:t> </a:t>
-            </a:r>
-            <a:r>
-              <a:rPr lang="en-US" sz="2000" b="0" i="0" dirty="0" err="1">
-                <a:solidFill>
-                  <a:schemeClr val="bg1"/>
-                </a:solidFill>
-                <a:effectLst/>
-                <a:latin typeface="Söhne"/>
-              </a:rPr>
-              <a:t>čvor</a:t>
-            </a:r>
-            <a:r>
-              <a:rPr lang="en-US" sz="2000" b="0" i="0" dirty="0">
-                <a:solidFill>
-                  <a:schemeClr val="bg1"/>
-                </a:solidFill>
-                <a:effectLst/>
-                <a:latin typeface="Söhne"/>
-              </a:rPr>
-              <a:t> </a:t>
-            </a:r>
-            <a:r>
-              <a:rPr lang="en-US" sz="2000" b="0" i="0" dirty="0" err="1">
-                <a:solidFill>
-                  <a:schemeClr val="bg1"/>
-                </a:solidFill>
-                <a:effectLst/>
-                <a:latin typeface="Söhne"/>
-              </a:rPr>
-              <a:t>postaje</a:t>
-            </a:r>
-            <a:r>
-              <a:rPr lang="en-US" sz="2000" b="0" i="0" dirty="0">
-                <a:solidFill>
-                  <a:schemeClr val="bg1"/>
-                </a:solidFill>
-                <a:effectLst/>
-                <a:latin typeface="Söhne"/>
-              </a:rPr>
-              <a:t> </a:t>
-            </a:r>
-            <a:r>
-              <a:rPr lang="en-US" sz="2000" b="0" i="0" dirty="0" err="1">
-                <a:solidFill>
-                  <a:schemeClr val="bg1"/>
-                </a:solidFill>
-                <a:effectLst/>
-                <a:latin typeface="Söhne"/>
-              </a:rPr>
-              <a:t>oporavljeni</a:t>
-            </a:r>
-            <a:r>
-              <a:rPr lang="en-US" sz="2000" b="0" i="0" dirty="0">
-                <a:solidFill>
-                  <a:schemeClr val="bg1"/>
-                </a:solidFill>
-                <a:effectLst/>
-                <a:latin typeface="Söhne"/>
-              </a:rPr>
-              <a:t> </a:t>
-            </a:r>
-            <a:r>
-              <a:rPr lang="en-US" sz="2000" b="0" i="0" dirty="0" err="1">
-                <a:solidFill>
-                  <a:schemeClr val="bg1"/>
-                </a:solidFill>
-                <a:effectLst/>
-                <a:latin typeface="Söhne"/>
-              </a:rPr>
-              <a:t>ciljni</a:t>
-            </a:r>
-            <a:r>
-              <a:rPr lang="en-US" sz="2000" b="0" i="0" dirty="0">
-                <a:solidFill>
-                  <a:schemeClr val="bg1"/>
-                </a:solidFill>
-                <a:effectLst/>
-                <a:latin typeface="Söhne"/>
-              </a:rPr>
-              <a:t> </a:t>
-            </a:r>
-            <a:r>
-              <a:rPr lang="en-US" sz="2000" b="0" i="0" dirty="0" err="1">
-                <a:solidFill>
-                  <a:schemeClr val="bg1"/>
-                </a:solidFill>
-                <a:effectLst/>
-                <a:latin typeface="Söhne"/>
-              </a:rPr>
-              <a:t>čvor</a:t>
-            </a:r>
-            <a:r>
-              <a:rPr lang="en-US" sz="2000" b="0" i="0" dirty="0">
-                <a:solidFill>
-                  <a:schemeClr val="bg1"/>
-                </a:solidFill>
-                <a:effectLst/>
-                <a:latin typeface="Söhne"/>
-              </a:rPr>
-              <a:t> </a:t>
-            </a:r>
-            <a:r>
-              <a:rPr lang="en-US" sz="2000" b="0" i="0" dirty="0" err="1">
-                <a:solidFill>
-                  <a:schemeClr val="bg1"/>
-                </a:solidFill>
-                <a:effectLst/>
-                <a:latin typeface="Söhne"/>
-              </a:rPr>
-              <a:t>brzinom</a:t>
-            </a:r>
-            <a:r>
-              <a:rPr lang="en-US" sz="2000" b="0" i="0" dirty="0">
-                <a:solidFill>
-                  <a:schemeClr val="bg1"/>
-                </a:solidFill>
-                <a:effectLst/>
-                <a:latin typeface="Söhne"/>
-              </a:rPr>
-              <a:t> y &gt; 0.</a:t>
-            </a:r>
-          </a:p>
-          <a:p>
-            <a:pPr algn="l"/>
-            <a:r>
-              <a:rPr lang="en-US" sz="2000" b="0" i="0" dirty="0">
-                <a:solidFill>
-                  <a:schemeClr val="bg1"/>
-                </a:solidFill>
-                <a:effectLst/>
-                <a:latin typeface="Söhne"/>
-              </a:rPr>
-              <a:t>(H8) </a:t>
-            </a:r>
-            <a:r>
-              <a:rPr lang="en-US" sz="2000" b="0" i="0" dirty="0" err="1">
-                <a:solidFill>
-                  <a:schemeClr val="bg1"/>
-                </a:solidFill>
-                <a:effectLst/>
-                <a:latin typeface="Söhne"/>
-              </a:rPr>
-              <a:t>Zbog</a:t>
-            </a:r>
-            <a:r>
-              <a:rPr lang="en-US" sz="2000" b="0" i="0" dirty="0">
-                <a:solidFill>
-                  <a:schemeClr val="bg1"/>
-                </a:solidFill>
-                <a:effectLst/>
-                <a:latin typeface="Söhne"/>
-              </a:rPr>
-              <a:t> </a:t>
-            </a:r>
-            <a:r>
-              <a:rPr lang="en-US" sz="2000" b="0" i="0" dirty="0" err="1">
-                <a:solidFill>
-                  <a:schemeClr val="bg1"/>
-                </a:solidFill>
-                <a:effectLst/>
-                <a:latin typeface="Söhne"/>
-              </a:rPr>
-              <a:t>privremene</a:t>
-            </a:r>
-            <a:r>
-              <a:rPr lang="en-US" sz="2000" b="0" i="0" dirty="0">
-                <a:solidFill>
-                  <a:schemeClr val="bg1"/>
-                </a:solidFill>
-                <a:effectLst/>
-                <a:latin typeface="Söhne"/>
-              </a:rPr>
-              <a:t> </a:t>
-            </a:r>
-            <a:r>
-              <a:rPr lang="en-US" sz="2000" b="0" i="0" dirty="0" err="1">
-                <a:solidFill>
-                  <a:schemeClr val="bg1"/>
-                </a:solidFill>
-                <a:effectLst/>
-                <a:latin typeface="Söhne"/>
-              </a:rPr>
-              <a:t>imunosti</a:t>
-            </a:r>
-            <a:r>
-              <a:rPr lang="en-US" sz="2000" b="0" i="0" dirty="0">
-                <a:solidFill>
-                  <a:schemeClr val="bg1"/>
-                </a:solidFill>
-                <a:effectLst/>
-                <a:latin typeface="Söhne"/>
-              </a:rPr>
-              <a:t>, </a:t>
-            </a:r>
-            <a:r>
-              <a:rPr lang="en-US" sz="2000" b="0" i="0" dirty="0" err="1">
-                <a:solidFill>
-                  <a:schemeClr val="bg1"/>
-                </a:solidFill>
-                <a:effectLst/>
-                <a:latin typeface="Söhne"/>
-              </a:rPr>
-              <a:t>oporavljeni</a:t>
-            </a:r>
-            <a:r>
-              <a:rPr lang="en-US" sz="2000" b="0" i="0" dirty="0">
-                <a:solidFill>
-                  <a:schemeClr val="bg1"/>
-                </a:solidFill>
-                <a:effectLst/>
-                <a:latin typeface="Söhne"/>
-              </a:rPr>
-              <a:t> </a:t>
-            </a:r>
-            <a:r>
-              <a:rPr lang="en-US" sz="2000" b="0" i="0" dirty="0" err="1">
-                <a:solidFill>
-                  <a:schemeClr val="bg1"/>
-                </a:solidFill>
-                <a:effectLst/>
-                <a:latin typeface="Söhne"/>
-              </a:rPr>
-              <a:t>ciljni</a:t>
-            </a:r>
-            <a:r>
-              <a:rPr lang="en-US" sz="2000" b="0" i="0" dirty="0">
-                <a:solidFill>
-                  <a:schemeClr val="bg1"/>
-                </a:solidFill>
-                <a:effectLst/>
-                <a:latin typeface="Söhne"/>
-              </a:rPr>
-              <a:t> </a:t>
-            </a:r>
-            <a:r>
-              <a:rPr lang="en-US" sz="2000" b="0" i="0" dirty="0" err="1">
-                <a:solidFill>
-                  <a:schemeClr val="bg1"/>
-                </a:solidFill>
-                <a:effectLst/>
-                <a:latin typeface="Söhne"/>
-              </a:rPr>
-              <a:t>čvor</a:t>
-            </a:r>
-            <a:r>
-              <a:rPr lang="en-US" sz="2000" b="0" i="0" dirty="0">
-                <a:solidFill>
-                  <a:schemeClr val="bg1"/>
-                </a:solidFill>
-                <a:effectLst/>
-                <a:latin typeface="Söhne"/>
-              </a:rPr>
-              <a:t> </a:t>
-            </a:r>
-            <a:r>
-              <a:rPr lang="en-US" sz="2000" b="0" i="0" dirty="0" err="1">
-                <a:solidFill>
-                  <a:schemeClr val="bg1"/>
-                </a:solidFill>
-                <a:effectLst/>
-                <a:latin typeface="Söhne"/>
-              </a:rPr>
-              <a:t>ponovno</a:t>
-            </a:r>
-            <a:r>
-              <a:rPr lang="en-US" sz="2000" b="0" i="0" dirty="0">
-                <a:solidFill>
-                  <a:schemeClr val="bg1"/>
-                </a:solidFill>
-                <a:effectLst/>
-                <a:latin typeface="Söhne"/>
-              </a:rPr>
-              <a:t> </a:t>
-            </a:r>
-            <a:r>
-              <a:rPr lang="en-US" sz="2000" b="0" i="0" dirty="0" err="1">
-                <a:solidFill>
-                  <a:schemeClr val="bg1"/>
-                </a:solidFill>
-                <a:effectLst/>
-                <a:latin typeface="Söhne"/>
-              </a:rPr>
-              <a:t>postaje</a:t>
-            </a:r>
-            <a:r>
-              <a:rPr lang="en-US" sz="2000" b="0" i="0" dirty="0">
-                <a:solidFill>
-                  <a:schemeClr val="bg1"/>
-                </a:solidFill>
-                <a:effectLst/>
-                <a:latin typeface="Söhne"/>
-              </a:rPr>
-              <a:t> </a:t>
-            </a:r>
-            <a:r>
-              <a:rPr lang="en-US" sz="2000" b="0" i="0" dirty="0" err="1">
-                <a:solidFill>
-                  <a:schemeClr val="bg1"/>
-                </a:solidFill>
-                <a:effectLst/>
-                <a:latin typeface="Söhne"/>
-              </a:rPr>
-              <a:t>osjetljivi</a:t>
-            </a:r>
-            <a:r>
-              <a:rPr lang="en-US" sz="2000" b="0" i="0" dirty="0">
-                <a:solidFill>
-                  <a:schemeClr val="bg1"/>
-                </a:solidFill>
-                <a:effectLst/>
-                <a:latin typeface="Söhne"/>
-              </a:rPr>
-              <a:t> </a:t>
-            </a:r>
-            <a:r>
-              <a:rPr lang="en-US" sz="2000" b="0" i="0" dirty="0" err="1">
-                <a:solidFill>
-                  <a:schemeClr val="bg1"/>
-                </a:solidFill>
-                <a:effectLst/>
-                <a:latin typeface="Söhne"/>
-              </a:rPr>
-              <a:t>ciljni</a:t>
-            </a:r>
-            <a:r>
-              <a:rPr lang="en-US" sz="2000" b="0" i="0" dirty="0">
-                <a:solidFill>
-                  <a:schemeClr val="bg1"/>
-                </a:solidFill>
-                <a:effectLst/>
-                <a:latin typeface="Söhne"/>
-              </a:rPr>
-              <a:t> </a:t>
-            </a:r>
-            <a:r>
-              <a:rPr lang="en-US" sz="2000" b="0" i="0" dirty="0" err="1">
-                <a:solidFill>
-                  <a:schemeClr val="bg1"/>
-                </a:solidFill>
-                <a:effectLst/>
-                <a:latin typeface="Söhne"/>
-              </a:rPr>
-              <a:t>čvor</a:t>
-            </a:r>
-            <a:r>
-              <a:rPr lang="en-US" sz="2000" b="0" i="0" dirty="0">
-                <a:solidFill>
-                  <a:schemeClr val="bg1"/>
-                </a:solidFill>
-                <a:effectLst/>
-                <a:latin typeface="Söhne"/>
-              </a:rPr>
-              <a:t> </a:t>
-            </a:r>
-            <a:r>
-              <a:rPr lang="en-US" sz="2000" b="0" i="0" dirty="0" err="1">
-                <a:solidFill>
-                  <a:schemeClr val="bg1"/>
-                </a:solidFill>
-                <a:effectLst/>
-                <a:latin typeface="Söhne"/>
-              </a:rPr>
-              <a:t>brzinom</a:t>
-            </a:r>
-            <a:r>
-              <a:rPr lang="en-US" sz="2000" b="0" i="0" dirty="0">
-                <a:solidFill>
-                  <a:schemeClr val="bg1"/>
-                </a:solidFill>
-                <a:effectLst/>
-                <a:latin typeface="Söhne"/>
-              </a:rPr>
-              <a:t> </a:t>
-            </a:r>
-            <a:r>
-              <a:rPr lang="el-GR" sz="2000" b="0" i="0" dirty="0">
-                <a:solidFill>
-                  <a:schemeClr val="bg1"/>
-                </a:solidFill>
-                <a:effectLst/>
-                <a:latin typeface="Söhne"/>
-              </a:rPr>
-              <a:t>ε</a:t>
-            </a:r>
-            <a:r>
-              <a:rPr lang="en-US" sz="2000" b="0" i="0" dirty="0">
-                <a:solidFill>
-                  <a:schemeClr val="bg1"/>
-                </a:solidFill>
-                <a:effectLst/>
-                <a:latin typeface="Söhne"/>
-              </a:rPr>
-              <a:t>t &gt; 0.</a:t>
-            </a:r>
-            <a:endParaRPr lang="en-US" sz="2400" dirty="0">
-              <a:solidFill>
-                <a:schemeClr val="bg1"/>
-              </a:solidFill>
-            </a:endParaRPr>
+              <a:t>MODEL:</a:t>
+            </a:r>
           </a:p>
           <a:p>
             <a:pPr marL="342900" indent="-342900">
               <a:buFontTx/>
               <a:buChar char="-"/>
             </a:pPr>
+            <a:r>
+              <a:rPr lang="en-US" sz="2400" dirty="0" err="1"/>
+              <a:t>temelji</a:t>
+            </a:r>
+            <a:r>
+              <a:rPr lang="en-US" sz="2400" dirty="0"/>
+              <a:t> se </a:t>
+            </a:r>
+            <a:r>
+              <a:rPr lang="en-US" sz="2400" dirty="0" err="1"/>
+              <a:t>na</a:t>
+            </a:r>
+            <a:r>
+              <a:rPr lang="en-US" sz="2400" dirty="0"/>
+              <a:t> </a:t>
+            </a:r>
+            <a:r>
+              <a:rPr lang="en-US" sz="2400" dirty="0" err="1"/>
+              <a:t>dva</a:t>
+            </a:r>
+            <a:r>
+              <a:rPr lang="en-US" sz="2400" dirty="0"/>
+              <a:t> </a:t>
+            </a:r>
+            <a:r>
+              <a:rPr lang="en-US" sz="2400" dirty="0" err="1"/>
+              <a:t>povezana</a:t>
+            </a:r>
+            <a:r>
+              <a:rPr lang="en-US" sz="2400" dirty="0"/>
+              <a:t> SIRS </a:t>
+            </a:r>
+            <a:r>
+              <a:rPr lang="en-US" sz="2400" dirty="0" err="1"/>
+              <a:t>modela</a:t>
+            </a:r>
+            <a:endParaRPr lang="en-US" sz="2400" dirty="0"/>
+          </a:p>
+          <a:p>
+            <a:r>
+              <a:rPr lang="en-US" sz="2400" dirty="0"/>
+              <a:t>SKUPINE:</a:t>
+            </a:r>
+          </a:p>
+          <a:p>
+            <a:pPr marL="342900" indent="-342900">
+              <a:buFontTx/>
+              <a:buChar char="-"/>
+            </a:pPr>
+            <a:r>
+              <a:rPr lang="en-US" sz="2400" dirty="0"/>
+              <a:t>St – </a:t>
+            </a:r>
+            <a:r>
+              <a:rPr lang="en-US" sz="2400" dirty="0" err="1"/>
+              <a:t>podložni</a:t>
+            </a:r>
+            <a:r>
+              <a:rPr lang="en-US" sz="2400" dirty="0"/>
+              <a:t> </a:t>
+            </a:r>
+            <a:r>
+              <a:rPr lang="en-US" sz="2400" dirty="0" err="1"/>
+              <a:t>napadnuti</a:t>
+            </a:r>
+            <a:endParaRPr lang="en-US" sz="2400" dirty="0"/>
+          </a:p>
+          <a:p>
+            <a:pPr marL="342900" indent="-342900">
+              <a:buFontTx/>
+              <a:buChar char="-"/>
+            </a:pPr>
+            <a:r>
+              <a:rPr lang="en-US" sz="2400" dirty="0"/>
+              <a:t>It – </a:t>
+            </a:r>
+            <a:r>
+              <a:rPr lang="en-US" sz="2400" dirty="0" err="1"/>
+              <a:t>zaraženi</a:t>
+            </a:r>
+            <a:r>
+              <a:rPr lang="en-US" sz="2400" dirty="0"/>
+              <a:t> </a:t>
+            </a:r>
+            <a:r>
+              <a:rPr lang="en-US" sz="2400" dirty="0" err="1"/>
+              <a:t>napadnuti</a:t>
+            </a:r>
+            <a:endParaRPr lang="en-US" sz="2400" dirty="0"/>
+          </a:p>
+          <a:p>
+            <a:pPr marL="342900" indent="-342900">
+              <a:buFontTx/>
+              <a:buChar char="-"/>
+            </a:pPr>
+            <a:r>
+              <a:rPr lang="en-US" sz="2400" dirty="0"/>
+              <a:t>Rt – </a:t>
+            </a:r>
+            <a:r>
+              <a:rPr lang="en-US" sz="2400" dirty="0" err="1"/>
+              <a:t>oporavljeni</a:t>
+            </a:r>
+            <a:r>
+              <a:rPr lang="en-US" sz="2400" dirty="0"/>
+              <a:t> </a:t>
+            </a:r>
+            <a:r>
+              <a:rPr lang="en-US" sz="2400" dirty="0" err="1"/>
+              <a:t>napadnuti</a:t>
+            </a:r>
+            <a:endParaRPr lang="en-US" sz="2400" dirty="0"/>
+          </a:p>
+          <a:p>
+            <a:pPr marL="342900" indent="-342900">
+              <a:buFontTx/>
+              <a:buChar char="-"/>
+            </a:pPr>
+            <a:r>
+              <a:rPr lang="en-US" sz="2400" dirty="0"/>
+              <a:t>Sa – </a:t>
+            </a:r>
+            <a:r>
+              <a:rPr lang="en-US" sz="2400" dirty="0" err="1"/>
+              <a:t>potencijalni</a:t>
+            </a:r>
+            <a:r>
+              <a:rPr lang="en-US" sz="2400" dirty="0"/>
+              <a:t> </a:t>
+            </a:r>
+            <a:r>
+              <a:rPr lang="en-US" sz="2400" dirty="0" err="1"/>
+              <a:t>napadački</a:t>
+            </a:r>
+            <a:r>
+              <a:rPr lang="en-US" sz="2400" dirty="0"/>
+              <a:t> </a:t>
+            </a:r>
+            <a:r>
+              <a:rPr lang="en-US" sz="2400" dirty="0" err="1"/>
+              <a:t>čvorovi</a:t>
+            </a:r>
+            <a:endParaRPr lang="en-US" sz="2400" dirty="0"/>
+          </a:p>
+          <a:p>
+            <a:pPr marL="342900" indent="-342900">
+              <a:buFontTx/>
+              <a:buChar char="-"/>
+            </a:pPr>
+            <a:r>
+              <a:rPr lang="en-US" sz="2400" dirty="0" err="1"/>
+              <a:t>Ia</a:t>
+            </a:r>
+            <a:r>
+              <a:rPr lang="en-US" sz="2400" dirty="0"/>
+              <a:t> – </a:t>
+            </a:r>
+            <a:r>
+              <a:rPr lang="en-US" sz="2400" dirty="0" err="1"/>
+              <a:t>aktivni</a:t>
+            </a:r>
+            <a:r>
+              <a:rPr lang="en-US" sz="2400" dirty="0"/>
+              <a:t> </a:t>
+            </a:r>
+            <a:r>
+              <a:rPr lang="en-US" sz="2400" dirty="0" err="1"/>
+              <a:t>napadački</a:t>
+            </a:r>
+            <a:r>
+              <a:rPr lang="en-US" sz="2400" dirty="0"/>
+              <a:t> </a:t>
+            </a:r>
+            <a:r>
+              <a:rPr lang="en-US" sz="2400" dirty="0" err="1"/>
+              <a:t>čvorova</a:t>
+            </a:r>
+            <a:endParaRPr lang="en-US" sz="2400" dirty="0"/>
+          </a:p>
+          <a:p>
+            <a:pPr marL="342900" indent="-342900">
+              <a:buFontTx/>
+              <a:buChar char="-"/>
+            </a:pPr>
+            <a:r>
+              <a:rPr lang="en-US" sz="2400" dirty="0" err="1"/>
+              <a:t>Ea</a:t>
+            </a:r>
+            <a:r>
+              <a:rPr lang="en-US" sz="2400" dirty="0"/>
+              <a:t> – </a:t>
+            </a:r>
+            <a:r>
+              <a:rPr lang="en-US" sz="2400" dirty="0" err="1"/>
+              <a:t>neaktivni</a:t>
+            </a:r>
+            <a:r>
+              <a:rPr lang="en-US" sz="2400" dirty="0"/>
+              <a:t> </a:t>
+            </a:r>
+            <a:r>
+              <a:rPr lang="en-US" sz="2400" dirty="0" err="1"/>
+              <a:t>napadački</a:t>
+            </a:r>
+            <a:r>
+              <a:rPr lang="en-US" sz="2400" dirty="0"/>
+              <a:t> </a:t>
+            </a:r>
+            <a:r>
+              <a:rPr lang="en-US" sz="2400" dirty="0" err="1"/>
+              <a:t>čvorovi</a:t>
+            </a:r>
+            <a:endParaRPr lang="en-US" sz="2400" dirty="0"/>
+          </a:p>
+          <a:p>
+            <a:endParaRPr lang="en-US" sz="2400" dirty="0"/>
+          </a:p>
+          <a:p>
             <a:endParaRPr lang="en-US" sz="2400" dirty="0"/>
           </a:p>
         </p:txBody>
@@ -20669,6 +18504,36 @@
           </a:p>
         </p:txBody>
       </p:sp>
+      <p:pic>
+        <p:nvPicPr>
+          <p:cNvPr id="6" name="Picture 5">
+            <a:extLst>
+              <a:ext uri="{FF2B5EF4-FFF2-40B4-BE49-F238E27FC236}">
+                <a16:creationId xmlns:a16="http://schemas.microsoft.com/office/drawing/2014/main" id="{5721F4B2-BC8C-089F-B3B9-7B1C86A7F2EF}"/>
+              </a:ext>
+            </a:extLst>
+          </p:cNvPr>
+          <p:cNvPicPr>
+            <a:picLocks noChangeAspect="1"/>
+          </p:cNvPicPr>
+          <p:nvPr/>
+        </p:nvPicPr>
+        <p:blipFill>
+          <a:blip r:embed="rId2"/>
+          <a:stretch>
+            <a:fillRect/>
+          </a:stretch>
+        </p:blipFill>
+        <p:spPr>
+          <a:xfrm>
+            <a:off x="6609688" y="908851"/>
+            <a:ext cx="4744112" cy="5630061"/>
+          </a:xfrm>
+          <a:prstGeom prst="rect">
+            <a:avLst/>
+          </a:prstGeom>
+        </p:spPr>
+      </p:pic>
     </p:spTree>
     <p:extLst>
       <p:ext uri="{BB962C8B-B14F-4D97-AF65-F5344CB8AC3E}">
@@ -20777,8 +18642,8 @@
         </p:nvSpPr>
         <p:spPr>
           <a:xfrm>
-            <a:off x="309110" y="1997839"/>
-            <a:ext cx="11573780" cy="2862322"/>
+            <a:off x="309110" y="1661937"/>
+            <a:ext cx="11573780" cy="4247317"/>
           </a:xfrm>
           <a:prstGeom prst="rect">
             <a:avLst/>
@@ -22762,6 +20627,15 @@
           </a:p>
           <a:p>
             <a:r>
+              <a:rPr lang="en-US" dirty="0">
+                <a:solidFill>
+                  <a:srgbClr val="C586C0"/>
+                </a:solidFill>
+                <a:latin typeface="Consolas" panose="020B0609020204030204" pitchFamily="49" charset="0"/>
+              </a:rPr>
+              <a:t>e</a:t>
+            </a:r>
+            <a:r>
               <a:rPr lang="en-US" b="0" dirty="0">
                 <a:solidFill>
                   <a:srgbClr val="C586C0"/>
@@ -22769,8 +20643,171 @@
                 <a:effectLst/>
                 <a:latin typeface="Consolas" panose="020B0609020204030204" pitchFamily="49" charset="0"/>
               </a:rPr>
-              <a:t>end</a:t>
-            </a:r>
+              <a:t>nd</a:t>
+            </a:r>
+          </a:p>
+          <a:p>
+            <a:endParaRPr lang="en-US" dirty="0">
+              <a:solidFill>
+                <a:srgbClr val="C586C0"/>
+              </a:solidFill>
+              <a:latin typeface="Consolas" panose="020B0609020204030204" pitchFamily="49" charset="0"/>
+            </a:endParaRPr>
+          </a:p>
+          <a:p>
+            <a:r>
+              <a:rPr lang="en-US" b="0" dirty="0">
+                <a:solidFill>
+                  <a:srgbClr val="6A9955"/>
+                </a:solidFill>
+                <a:effectLst/>
+                <a:latin typeface="Consolas" panose="020B0609020204030204" pitchFamily="49" charset="0"/>
+              </a:rPr>
+              <a:t>## </a:t>
+            </a:r>
+            <a:r>
+              <a:rPr lang="en-US" b="0" dirty="0" err="1">
+                <a:solidFill>
+                  <a:srgbClr val="6A9955"/>
+                </a:solidFill>
+                <a:effectLst/>
+                <a:latin typeface="Consolas" panose="020B0609020204030204" pitchFamily="49" charset="0"/>
+              </a:rPr>
+              <a:t>rješavanje</a:t>
+            </a:r>
+            <a:endParaRPr lang="en-US" b="0" dirty="0">
+              <a:solidFill>
+                <a:srgbClr val="CCCCCC"/>
+              </a:solidFill>
+              <a:effectLst/>
+              <a:latin typeface="Consolas" panose="020B0609020204030204" pitchFamily="49" charset="0"/>
+            </a:endParaRPr>
+          </a:p>
+          <a:p>
+            <a:r>
+              <a:rPr lang="en-US" b="0" dirty="0">
+                <a:solidFill>
+                  <a:srgbClr val="CCCCCC"/>
+                </a:solidFill>
+                <a:effectLst/>
+                <a:latin typeface="Consolas" panose="020B0609020204030204" pitchFamily="49" charset="0"/>
+              </a:rPr>
+              <a:t>problem </a:t>
+            </a:r>
+            <a:r>
+              <a:rPr lang="en-US" b="0" dirty="0">
+                <a:solidFill>
+                  <a:srgbClr val="D4D4D4"/>
+                </a:solidFill>
+                <a:effectLst/>
+                <a:latin typeface="Consolas" panose="020B0609020204030204" pitchFamily="49" charset="0"/>
+              </a:rPr>
+              <a:t>=</a:t>
+            </a:r>
+            <a:r>
+              <a:rPr lang="en-US" b="0" dirty="0">
+                <a:solidFill>
+                  <a:srgbClr val="CCCCCC"/>
+                </a:solidFill>
+                <a:effectLst/>
+                <a:latin typeface="Consolas" panose="020B0609020204030204" pitchFamily="49" charset="0"/>
+              </a:rPr>
+              <a:t> </a:t>
+            </a:r>
+            <a:r>
+              <a:rPr lang="en-US" b="0" dirty="0" err="1">
+                <a:solidFill>
+                  <a:srgbClr val="DCDCAA"/>
+                </a:solidFill>
+                <a:effectLst/>
+                <a:latin typeface="Consolas" panose="020B0609020204030204" pitchFamily="49" charset="0"/>
+              </a:rPr>
+              <a:t>ODEProblem</a:t>
+            </a:r>
+            <a:r>
+              <a:rPr lang="en-US" b="0" dirty="0">
+                <a:solidFill>
+                  <a:srgbClr val="CCCCCC"/>
+                </a:solidFill>
+                <a:effectLst/>
+                <a:latin typeface="Consolas" panose="020B0609020204030204" pitchFamily="49" charset="0"/>
+              </a:rPr>
+              <a:t>(DDOS, u0, </a:t>
+            </a:r>
+            <a:r>
+              <a:rPr lang="en-US" b="0" dirty="0" err="1">
+                <a:solidFill>
+                  <a:srgbClr val="CCCCCC"/>
+                </a:solidFill>
+                <a:effectLst/>
+                <a:latin typeface="Consolas" panose="020B0609020204030204" pitchFamily="49" charset="0"/>
+              </a:rPr>
+              <a:t>tspan</a:t>
+            </a:r>
+            <a:r>
+              <a:rPr lang="en-US" b="0" dirty="0">
+                <a:solidFill>
+                  <a:srgbClr val="CCCCCC"/>
+                </a:solidFill>
+                <a:effectLst/>
+                <a:latin typeface="Consolas" panose="020B0609020204030204" pitchFamily="49" charset="0"/>
+              </a:rPr>
+              <a:t>, p)</a:t>
+            </a:r>
+          </a:p>
+          <a:p>
+            <a:r>
+              <a:rPr lang="en-US" b="0" dirty="0">
+                <a:solidFill>
+                  <a:srgbClr val="CCCCCC"/>
+                </a:solidFill>
+                <a:effectLst/>
+                <a:latin typeface="Consolas" panose="020B0609020204030204" pitchFamily="49" charset="0"/>
+              </a:rPr>
+              <a:t>sol </a:t>
+            </a:r>
+            <a:r>
+              <a:rPr lang="en-US" b="0" dirty="0">
+                <a:solidFill>
+                  <a:srgbClr val="D4D4D4"/>
+                </a:solidFill>
+                <a:effectLst/>
+                <a:latin typeface="Consolas" panose="020B0609020204030204" pitchFamily="49" charset="0"/>
+              </a:rPr>
+              <a:t>=</a:t>
+            </a:r>
+            <a:r>
+              <a:rPr lang="en-US" b="0" dirty="0">
+                <a:solidFill>
+                  <a:srgbClr val="CCCCCC"/>
+                </a:solidFill>
+                <a:effectLst/>
+                <a:latin typeface="Consolas" panose="020B0609020204030204" pitchFamily="49" charset="0"/>
+              </a:rPr>
+              <a:t> </a:t>
+            </a:r>
+            <a:r>
+              <a:rPr lang="en-US" b="0" dirty="0">
+                <a:solidFill>
+                  <a:srgbClr val="DCDCAA"/>
+                </a:solidFill>
+                <a:effectLst/>
+                <a:latin typeface="Consolas" panose="020B0609020204030204" pitchFamily="49" charset="0"/>
+              </a:rPr>
+              <a:t>solve</a:t>
+            </a:r>
+            <a:r>
+              <a:rPr lang="en-US" b="0" dirty="0">
+                <a:solidFill>
+                  <a:srgbClr val="CCCCCC"/>
+                </a:solidFill>
+                <a:effectLst/>
+                <a:latin typeface="Consolas" panose="020B0609020204030204" pitchFamily="49" charset="0"/>
+              </a:rPr>
+              <a:t>(problem)</a:t>
+            </a:r>
+          </a:p>
+          <a:p>
             <a:endParaRPr lang="en-US" b="0" dirty="0">
               <a:solidFill>
                 <a:srgbClr val="CCCCCC"/>
@@ -22870,65 +20907,6 @@
           </a:p>
         </p:txBody>
       </p:sp>
-      <p:pic>
-        <p:nvPicPr>
-          <p:cNvPr id="5" name="Picture 4">
-            <a:extLst>
-              <a:ext uri="{FF2B5EF4-FFF2-40B4-BE49-F238E27FC236}">
-                <a16:creationId xmlns:a16="http://schemas.microsoft.com/office/drawing/2014/main" id="{05B642F0-82E3-315B-F070-8173A3DC739C}"/>
-              </a:ext>
-            </a:extLst>
-          </p:cNvPr>
-          <p:cNvPicPr>
-            <a:picLocks noChangeAspect="1"/>
-          </p:cNvPicPr>
-          <p:nvPr/>
-        </p:nvPicPr>
-        <p:blipFill rotWithShape="1">
-          <a:blip r:embed="rId2"/>
-          <a:srcRect b="2196"/>
-          <a:stretch/>
-        </p:blipFill>
-        <p:spPr>
-          <a:xfrm>
-            <a:off x="1150210" y="1923682"/>
-            <a:ext cx="4945790" cy="3274285"/>
-          </a:xfrm>
-          <a:prstGeom prst="rect">
-            <a:avLst/>
-          </a:prstGeom>
-        </p:spPr>
-      </p:pic>
-      <p:pic>
-        <p:nvPicPr>
-          <p:cNvPr id="7" name="Picture 6">
-            <a:extLst>
-              <a:ext uri="{FF2B5EF4-FFF2-40B4-BE49-F238E27FC236}">
-                <a16:creationId xmlns:a16="http://schemas.microsoft.com/office/drawing/2014/main" id="{D692D8A7-53BB-1530-DFD3-5331851A7DB8}"/>
-              </a:ext>
-            </a:extLst>
-          </p:cNvPr>
-          <p:cNvPicPr>
-            <a:picLocks noChangeAspect="1"/>
-          </p:cNvPicPr>
-          <p:nvPr/>
-        </p:nvPicPr>
-        <p:blipFill>
-          <a:blip r:embed="rId3"/>
-          <a:stretch>
-            <a:fillRect/>
-          </a:stretch>
-        </p:blipFill>
-        <p:spPr>
-          <a:xfrm>
-            <a:off x="6408011" y="1946272"/>
-            <a:ext cx="4945789" cy="3251695"/>
-          </a:xfrm>
-          <a:prstGeom prst="rect">
-            <a:avLst/>
-          </a:prstGeom>
-        </p:spPr>
-      </p:pic>
       <p:sp>
         <p:nvSpPr>
           <p:cNvPr id="9" name="Subtitle 1">
@@ -22947,7 +20925,7 @@
         </p:nvSpPr>
         <p:spPr>
           <a:xfrm>
-            <a:off x="1508449" y="5197967"/>
+            <a:off x="1155449" y="5216009"/>
             <a:ext cx="4587551" cy="561149"/>
           </a:xfrm>
         </p:spPr>
@@ -22993,7 +20971,7 @@
         </p:nvSpPr>
         <p:spPr>
           <a:xfrm>
-            <a:off x="6587129" y="5216009"/>
+            <a:off x="6408011" y="5132861"/>
             <a:ext cx="4587551" cy="561149"/>
           </a:xfrm>
           <a:prstGeom prst="rect">
@@ -23171,7 +21149,7 @@
           <a:p>
             <a:r>
               <a:rPr lang="en-US" sz="1800" dirty="0"/>
-              <a:t>Graf 1. </a:t>
+              <a:t>Graf 2. </a:t>
             </a:r>
             <a:r>
               <a:rPr lang="en-US" sz="1800" dirty="0" err="1"/>
@@ -23253,6 +21231,65 @@
           </a:p>
         </p:txBody>
       </p:sp>
+      <p:pic>
+        <p:nvPicPr>
+          <p:cNvPr id="6" name="Picture 5">
+            <a:extLst>
+              <a:ext uri="{FF2B5EF4-FFF2-40B4-BE49-F238E27FC236}">
+                <a16:creationId xmlns:a16="http://schemas.microsoft.com/office/drawing/2014/main" id="{C97F5053-0809-B12D-4B31-8254233D60CE}"/>
+              </a:ext>
+            </a:extLst>
+          </p:cNvPr>
+          <p:cNvPicPr>
+            <a:picLocks noChangeAspect="1"/>
+          </p:cNvPicPr>
+          <p:nvPr/>
+        </p:nvPicPr>
+        <p:blipFill>
+          <a:blip r:embed="rId2"/>
+          <a:stretch>
+            <a:fillRect/>
+          </a:stretch>
+        </p:blipFill>
+        <p:spPr>
+          <a:xfrm>
+            <a:off x="1155449" y="2033839"/>
+            <a:ext cx="4935313" cy="3076559"/>
+          </a:xfrm>
+          <a:prstGeom prst="rect">
+            <a:avLst/>
+          </a:prstGeom>
+        </p:spPr>
+      </p:pic>
+      <p:pic>
+        <p:nvPicPr>
+          <p:cNvPr id="13" name="Picture 12">
+            <a:extLst>
+              <a:ext uri="{FF2B5EF4-FFF2-40B4-BE49-F238E27FC236}">
+                <a16:creationId xmlns:a16="http://schemas.microsoft.com/office/drawing/2014/main" id="{41874D26-CDAF-4983-7A12-EB67DDCC3922}"/>
+              </a:ext>
+            </a:extLst>
+          </p:cNvPr>
+          <p:cNvPicPr>
+            <a:picLocks noChangeAspect="1"/>
+          </p:cNvPicPr>
+          <p:nvPr/>
+        </p:nvPicPr>
+        <p:blipFill rotWithShape="1">
+          <a:blip r:embed="rId3"/>
+          <a:srcRect b="1973"/>
+          <a:stretch/>
+        </p:blipFill>
+        <p:spPr>
+          <a:xfrm>
+            <a:off x="6408011" y="2056302"/>
+            <a:ext cx="4935313" cy="3076559"/>
+          </a:xfrm>
+          <a:prstGeom prst="rect">
+            <a:avLst/>
+          </a:prstGeom>
+        </p:spPr>
+      </p:pic>
     </p:spTree>
     <p:extLst>
       <p:ext uri="{BB962C8B-B14F-4D97-AF65-F5344CB8AC3E}">
@@ -23504,6 +21541,159 @@
     <p:extLst>
       <p:ext uri="{BB962C8B-B14F-4D97-AF65-F5344CB8AC3E}">
         <p14:creationId xmlns:p14="http://schemas.microsoft.com/office/powerpoint/2010/main" val="2502743254"/>
+      </p:ext>
+    </p:extLst>
+  </p:cSld>
+  <p:clrMapOvr>
+    <a:masterClrMapping/>
+  </p:clrMapOvr>
+</p:sld>
+</file>
+
+<file path=ppt/slides/slide8.xml><?xml version="1.0" encoding="utf-8"?>
+<p:sld xmlns:a="http://schemas.openxmlformats.org/drawingml/2006/main" xmlns:r="http://schemas.openxmlformats.org/officeDocument/2006/relationships" xmlns:p="http://schemas.openxmlformats.org/presentationml/2006/main">
+  <p:cSld>
+    <p:spTree>
+      <p:nvGrpSpPr>
+        <p:cNvPr id="1" name=""/>
+        <p:cNvGrpSpPr/>
+        <p:nvPr/>
+      </p:nvGrpSpPr>
+      <p:grpSpPr>
+        <a:xfrm>
+          <a:off x="0" y="0"/>
+          <a:ext cx="0" cy="0"/>
+          <a:chOff x="0" y="0"/>
+          <a:chExt cx="0" cy="0"/>
+        </a:xfrm>
+      </p:grpSpPr>
+      <p:sp>
+        <p:nvSpPr>
+          <p:cNvPr id="2" name="Subtitle 1">
+            <a:extLst>
+              <a:ext uri="{FF2B5EF4-FFF2-40B4-BE49-F238E27FC236}">
+                <a16:creationId xmlns:a16="http://schemas.microsoft.com/office/drawing/2014/main" id="{0FDF8765-56E2-E73C-AB65-293D735223D2}"/>
+              </a:ext>
+            </a:extLst>
+          </p:cNvPr>
+          <p:cNvSpPr>
+            <a:spLocks noGrp="1"/>
+          </p:cNvSpPr>
+          <p:nvPr>
+            <p:ph type="subTitle" idx="1"/>
+          </p:nvPr>
+        </p:nvSpPr>
+        <p:spPr>
+          <a:xfrm>
+            <a:off x="838200" y="2133600"/>
+            <a:ext cx="10536936" cy="2259718"/>
+          </a:xfrm>
+        </p:spPr>
+        <p:txBody>
+          <a:bodyPr/>
+          <a:lstStyle/>
+          <a:p>
+            <a:r>
+              <a:rPr lang="en-US" dirty="0">
+                <a:effectLst/>
+              </a:rPr>
+              <a:t>Mishra, B. K., </a:t>
+            </a:r>
+            <a:r>
+              <a:rPr lang="en-US" dirty="0" err="1">
+                <a:effectLst/>
+              </a:rPr>
+              <a:t>Keshri</a:t>
+            </a:r>
+            <a:r>
+              <a:rPr lang="en-US" dirty="0">
+                <a:effectLst/>
+              </a:rPr>
+              <a:t>, A. K., Mallick, D. K., &amp; Mishra, B. K. (2019, January 1). </a:t>
+            </a:r>
+            <a:r>
+              <a:rPr lang="en-US" i="1" dirty="0">
+                <a:effectLst/>
+              </a:rPr>
+              <a:t>Mathematical model on distributed denial of service attack through internet of things in a network</a:t>
+            </a:r>
+            <a:r>
+              <a:rPr lang="en-US" dirty="0">
+                <a:effectLst/>
+              </a:rPr>
+              <a:t>. De Gruyter. https://www.degruyter.com/document/doi/10.1515/nleng-2017-0094/html </a:t>
+            </a:r>
+          </a:p>
+          <a:p>
+            <a:r>
+              <a:rPr lang="hr-HR" dirty="0"/>
+              <a:t>B. -R. Chen, S. -M. Cheng and M. B. Mwangi, "A Mobility-Based Epidemic Model for IoT Malware Spread," in IEEE Access, vol. 10, pp. 107929-107941, 2022, doi: 10.1109/ACCESS.2022.3213032.</a:t>
+            </a:r>
+          </a:p>
+        </p:txBody>
+      </p:sp>
+      <p:sp>
+        <p:nvSpPr>
+          <p:cNvPr id="3" name="Title 2">
+            <a:extLst>
+              <a:ext uri="{FF2B5EF4-FFF2-40B4-BE49-F238E27FC236}">
+                <a16:creationId xmlns:a16="http://schemas.microsoft.com/office/drawing/2014/main" id="{9AF388F9-73C4-983B-0B3F-29CB6CF3C7B7}"/>
+              </a:ext>
+            </a:extLst>
+          </p:cNvPr>
+          <p:cNvSpPr>
+            <a:spLocks noGrp="1"/>
+          </p:cNvSpPr>
+          <p:nvPr>
+            <p:ph type="title"/>
+          </p:nvPr>
+        </p:nvSpPr>
+        <p:spPr/>
+        <p:txBody>
+          <a:bodyPr/>
+          <a:lstStyle/>
+          <a:p>
+            <a:r>
+              <a:rPr lang="en-US" dirty="0" err="1"/>
+              <a:t>Literatura</a:t>
+            </a:r>
+            <a:endParaRPr lang="hr-HR" dirty="0"/>
+          </a:p>
+        </p:txBody>
+      </p:sp>
+      <p:sp>
+        <p:nvSpPr>
+          <p:cNvPr id="4" name="Slide Number Placeholder 3">
+            <a:extLst>
+              <a:ext uri="{FF2B5EF4-FFF2-40B4-BE49-F238E27FC236}">
+                <a16:creationId xmlns:a16="http://schemas.microsoft.com/office/drawing/2014/main" id="{41DDCC1C-DB96-EE32-C71B-9F8984B76559}"/>
+              </a:ext>
+            </a:extLst>
+          </p:cNvPr>
+          <p:cNvSpPr>
+            <a:spLocks noGrp="1"/>
+          </p:cNvSpPr>
+          <p:nvPr>
+            <p:ph type="sldNum" sz="quarter" idx="16"/>
+          </p:nvPr>
+        </p:nvSpPr>
+        <p:spPr/>
+        <p:txBody>
+          <a:bodyPr/>
+          <a:lstStyle/>
+          <a:p>
+            <a:fld id="{48D362A1-5339-458A-BCD2-7DD26D14AD42}" type="slidenum">
+              <a:rPr lang="hr-HR" smtClean="0"/>
+              <a:t>8</a:t>
+            </a:fld>
+            <a:endParaRPr lang="hr-HR"/>
+          </a:p>
+        </p:txBody>
+      </p:sp>
+    </p:spTree>
+    <p:extLst>
+      <p:ext uri="{BB962C8B-B14F-4D97-AF65-F5344CB8AC3E}">
+        <p14:creationId xmlns:p14="http://schemas.microsoft.com/office/powerpoint/2010/main" val="1420541560"/>
       </p:ext>
     </p:extLst>
   </p:cSld>
